--- a/Offline/BusinessManagement/MarketingArtworks/pptx/A4By2-Flyers.pptx
+++ b/Offline/BusinessManagement/MarketingArtworks/pptx/A4By2-Flyers.pptx
@@ -9,9 +9,8 @@
     <p:sldId id="257" r:id="rId3"/>
     <p:sldId id="258" r:id="rId4"/>
     <p:sldId id="264" r:id="rId5"/>
-    <p:sldId id="261" r:id="rId6"/>
-    <p:sldId id="262" r:id="rId7"/>
-    <p:sldId id="263" r:id="rId8"/>
+    <p:sldId id="265" r:id="rId6"/>
+    <p:sldId id="263" r:id="rId7"/>
   </p:sldIdLst>
   <p:sldSz cx="5349875" cy="7562850"/>
   <p:notesSz cx="6858000" cy="9144000"/>
@@ -6714,7 +6713,7 @@
           </a:stretch>
         </p:blipFill>
         <p:spPr>
-          <a:xfrm>
+          <a:xfrm rot="153956">
             <a:off x="-994455" y="2103108"/>
             <a:ext cx="2816969" cy="3753790"/>
           </a:xfrm>
@@ -6737,7 +6736,7 @@
         </p:nvSpPr>
         <p:spPr>
           <a:xfrm>
-            <a:off x="1688875" y="3892391"/>
+            <a:off x="1688875" y="3743906"/>
             <a:ext cx="1986441" cy="1223412"/>
           </a:xfrm>
           <a:prstGeom prst="rect">
@@ -6755,7 +6754,9 @@
             <a:r>
               <a:rPr lang="en-US" sz="1050" b="1" cap="small" dirty="0">
                 <a:solidFill>
-                  <a:srgbClr val="0070C0"/>
+                  <a:schemeClr val="accent1">
+                    <a:lumMod val="75000"/>
+                  </a:schemeClr>
                 </a:solidFill>
                 <a:latin typeface="Oxygen" panose="02000503000000000000" pitchFamily="2" charset="0"/>
               </a:rPr>
@@ -6767,7 +6768,9 @@
             <a:r>
               <a:rPr lang="en-US" sz="1050" b="1" cap="small" dirty="0">
                 <a:solidFill>
-                  <a:srgbClr val="0070C0"/>
+                  <a:schemeClr val="accent1">
+                    <a:lumMod val="75000"/>
+                  </a:schemeClr>
                 </a:solidFill>
                 <a:latin typeface="Oxygen" panose="02000503000000000000" pitchFamily="2" charset="0"/>
               </a:rPr>
@@ -6779,7 +6782,9 @@
             <a:r>
               <a:rPr lang="en-US" sz="1050" b="1" cap="small" dirty="0">
                 <a:solidFill>
-                  <a:srgbClr val="0070C0"/>
+                  <a:schemeClr val="accent1">
+                    <a:lumMod val="75000"/>
+                  </a:schemeClr>
                 </a:solidFill>
                 <a:latin typeface="Oxygen" panose="02000503000000000000" pitchFamily="2" charset="0"/>
               </a:rPr>
@@ -6791,7 +6796,9 @@
             <a:r>
               <a:rPr lang="en-US" sz="1050" b="1" cap="small" dirty="0">
                 <a:solidFill>
-                  <a:srgbClr val="0070C0"/>
+                  <a:schemeClr val="accent1">
+                    <a:lumMod val="75000"/>
+                  </a:schemeClr>
                 </a:solidFill>
                 <a:latin typeface="Oxygen" panose="02000503000000000000" pitchFamily="2" charset="0"/>
               </a:rPr>
@@ -6803,7 +6810,9 @@
             <a:r>
               <a:rPr lang="en-US" sz="1050" b="1" cap="small" dirty="0">
                 <a:solidFill>
-                  <a:srgbClr val="0070C0"/>
+                  <a:schemeClr val="accent1">
+                    <a:lumMod val="75000"/>
+                  </a:schemeClr>
                 </a:solidFill>
                 <a:latin typeface="Oxygen" panose="02000503000000000000" pitchFamily="2" charset="0"/>
               </a:rPr>
@@ -6815,7 +6824,9 @@
             <a:r>
               <a:rPr lang="en-US" sz="1050" b="1" cap="small" dirty="0">
                 <a:solidFill>
-                  <a:srgbClr val="0070C0"/>
+                  <a:schemeClr val="accent1">
+                    <a:lumMod val="75000"/>
+                  </a:schemeClr>
                 </a:solidFill>
                 <a:latin typeface="Oxygen" panose="02000503000000000000" pitchFamily="2" charset="0"/>
               </a:rPr>
@@ -6827,7 +6838,9 @@
             <a:r>
               <a:rPr lang="en-US" sz="1050" b="1" cap="small" dirty="0">
                 <a:solidFill>
-                  <a:srgbClr val="0070C0"/>
+                  <a:schemeClr val="accent1">
+                    <a:lumMod val="75000"/>
+                  </a:schemeClr>
                 </a:solidFill>
                 <a:latin typeface="Oxygen" panose="02000503000000000000" pitchFamily="2" charset="0"/>
               </a:rPr>
@@ -6872,9 +6885,9 @@
           </a:stretch>
         </p:blipFill>
         <p:spPr>
-          <a:xfrm>
-            <a:off x="4005500" y="2785342"/>
-            <a:ext cx="1994235" cy="2991353"/>
+          <a:xfrm rot="21233467">
+            <a:off x="3730618" y="2676250"/>
+            <a:ext cx="1994235" cy="3123191"/>
           </a:xfrm>
           <a:prstGeom prst="rect">
             <a:avLst/>
@@ -6966,7 +6979,7 @@
         </p:nvSpPr>
         <p:spPr>
           <a:xfrm>
-            <a:off x="3836156" y="4672605"/>
+            <a:off x="3703295" y="4696050"/>
             <a:ext cx="973343" cy="415498"/>
           </a:xfrm>
           <a:prstGeom prst="rect">
@@ -7105,7 +7118,7 @@
         </p:nvSpPr>
         <p:spPr>
           <a:xfrm>
-            <a:off x="1139875" y="2888908"/>
+            <a:off x="1178950" y="2974877"/>
             <a:ext cx="1093569" cy="577081"/>
           </a:xfrm>
           <a:prstGeom prst="rect">
@@ -7171,7 +7184,7 @@
         </p:nvSpPr>
         <p:spPr>
           <a:xfrm>
-            <a:off x="544988" y="4616359"/>
+            <a:off x="513728" y="4631989"/>
             <a:ext cx="1138453" cy="577081"/>
           </a:xfrm>
           <a:prstGeom prst="rect">
@@ -7591,8 +7604,8 @@
         </p:blipFill>
         <p:spPr>
           <a:xfrm>
-            <a:off x="2492866" y="-873613"/>
-            <a:ext cx="3098666" cy="4122014"/>
+            <a:off x="2524369" y="-912688"/>
+            <a:ext cx="3059347" cy="4122014"/>
           </a:xfrm>
           <a:prstGeom prst="rect">
             <a:avLst/>
@@ -8897,7 +8910,7 @@
               <a:rPr lang="en-US" sz="1200" b="1" cap="small" dirty="0">
                 <a:solidFill>
                   <a:schemeClr val="accent1">
-                    <a:lumMod val="75000"/>
+                    <a:lumMod val="50000"/>
                   </a:schemeClr>
                 </a:solidFill>
                 <a:latin typeface="Oxygen" panose="02000503000000000000" pitchFamily="2" charset="0"/>
@@ -8911,7 +8924,7 @@
               <a:rPr lang="en-US" sz="1200" b="1" cap="small" dirty="0">
                 <a:solidFill>
                   <a:schemeClr val="accent1">
-                    <a:lumMod val="75000"/>
+                    <a:lumMod val="50000"/>
                   </a:schemeClr>
                 </a:solidFill>
                 <a:latin typeface="Oxygen" panose="02000503000000000000" pitchFamily="2" charset="0"/>
@@ -8925,7 +8938,7 @@
               <a:rPr lang="en-US" sz="1200" b="1" cap="small" dirty="0">
                 <a:solidFill>
                   <a:schemeClr val="accent1">
-                    <a:lumMod val="75000"/>
+                    <a:lumMod val="50000"/>
                   </a:schemeClr>
                 </a:solidFill>
                 <a:latin typeface="Oxygen" panose="02000503000000000000" pitchFamily="2" charset="0"/>
@@ -8939,7 +8952,7 @@
               <a:rPr lang="en-US" sz="1200" b="1" cap="small" dirty="0">
                 <a:solidFill>
                   <a:schemeClr val="accent1">
-                    <a:lumMod val="75000"/>
+                    <a:lumMod val="50000"/>
                   </a:schemeClr>
                 </a:solidFill>
                 <a:latin typeface="Oxygen" panose="02000503000000000000" pitchFamily="2" charset="0"/>
@@ -8953,7 +8966,7 @@
               <a:rPr lang="en-US" sz="1200" b="1" cap="small" dirty="0">
                 <a:solidFill>
                   <a:schemeClr val="accent1">
-                    <a:lumMod val="75000"/>
+                    <a:lumMod val="50000"/>
                   </a:schemeClr>
                 </a:solidFill>
                 <a:latin typeface="Oxygen" panose="02000503000000000000" pitchFamily="2" charset="0"/>
@@ -8995,7 +9008,9 @@
             <a:r>
               <a:rPr lang="en-US" sz="1200" b="1" cap="small" dirty="0">
                 <a:solidFill>
-                  <a:srgbClr val="002060"/>
+                  <a:schemeClr val="accent1">
+                    <a:lumMod val="50000"/>
+                  </a:schemeClr>
                 </a:solidFill>
                 <a:latin typeface="Oxygen" panose="02000503000000000000" pitchFamily="2" charset="0"/>
               </a:rPr>
@@ -9007,7 +9022,9 @@
             <a:r>
               <a:rPr lang="en-US" sz="1200" b="1" cap="small" dirty="0">
                 <a:solidFill>
-                  <a:srgbClr val="002060"/>
+                  <a:schemeClr val="accent1">
+                    <a:lumMod val="50000"/>
+                  </a:schemeClr>
                 </a:solidFill>
                 <a:latin typeface="Oxygen" panose="02000503000000000000" pitchFamily="2" charset="0"/>
               </a:rPr>
@@ -9019,7 +9036,9 @@
             <a:r>
               <a:rPr lang="en-US" sz="1200" b="1" cap="small" dirty="0">
                 <a:solidFill>
-                  <a:srgbClr val="002060"/>
+                  <a:schemeClr val="accent1">
+                    <a:lumMod val="50000"/>
+                  </a:schemeClr>
                 </a:solidFill>
                 <a:latin typeface="Oxygen" panose="02000503000000000000" pitchFamily="2" charset="0"/>
               </a:rPr>
@@ -9360,8 +9379,8 @@
         </p:blipFill>
         <p:spPr>
           <a:xfrm>
-            <a:off x="2876550" y="1003782"/>
-            <a:ext cx="2847975" cy="1600200"/>
+            <a:off x="3287810" y="1252055"/>
+            <a:ext cx="2353698" cy="1322479"/>
           </a:xfrm>
           <a:prstGeom prst="rect">
             <a:avLst/>
@@ -10369,6 +10388,279 @@
           </a:p>
         </p:txBody>
       </p:sp>
+      <p:sp>
+        <p:nvSpPr>
+          <p:cNvPr id="23" name="Oval 22">
+            <a:extLst>
+              <a:ext uri="{FF2B5EF4-FFF2-40B4-BE49-F238E27FC236}">
+                <a16:creationId xmlns:a16="http://schemas.microsoft.com/office/drawing/2014/main" id="{8C543648-2869-4B37-B9EE-891E8F149D59}"/>
+              </a:ext>
+            </a:extLst>
+          </p:cNvPr>
+          <p:cNvSpPr/>
+          <p:nvPr/>
+        </p:nvSpPr>
+        <p:spPr>
+          <a:xfrm>
+            <a:off x="-23304" y="2598707"/>
+            <a:ext cx="5270776" cy="2946473"/>
+          </a:xfrm>
+          <a:prstGeom prst="ellipse">
+            <a:avLst/>
+          </a:prstGeom>
+          <a:solidFill>
+            <a:schemeClr val="tx2">
+              <a:lumMod val="60000"/>
+              <a:lumOff val="40000"/>
+            </a:schemeClr>
+          </a:solidFill>
+          <a:ln>
+            <a:noFill/>
+          </a:ln>
+          <a:effectLst>
+            <a:softEdge rad="190500"/>
+          </a:effectLst>
+        </p:spPr>
+        <p:style>
+          <a:lnRef idx="2">
+            <a:schemeClr val="accent1">
+              <a:shade val="15000"/>
+            </a:schemeClr>
+          </a:lnRef>
+          <a:fillRef idx="1">
+            <a:schemeClr val="accent1"/>
+          </a:fillRef>
+          <a:effectRef idx="0">
+            <a:schemeClr val="accent1"/>
+          </a:effectRef>
+          <a:fontRef idx="minor">
+            <a:schemeClr val="lt1"/>
+          </a:fontRef>
+        </p:style>
+        <p:txBody>
+          <a:bodyPr rtlCol="0" anchor="ctr"/>
+          <a:lstStyle/>
+          <a:p>
+            <a:pPr algn="ctr"/>
+            <a:endParaRPr lang="en-US"/>
+          </a:p>
+        </p:txBody>
+      </p:sp>
+      <p:sp>
+        <p:nvSpPr>
+          <p:cNvPr id="26" name="Oval 25">
+            <a:extLst>
+              <a:ext uri="{FF2B5EF4-FFF2-40B4-BE49-F238E27FC236}">
+                <a16:creationId xmlns:a16="http://schemas.microsoft.com/office/drawing/2014/main" id="{5114E14F-715A-C82C-FC33-02E0BDE9D9DE}"/>
+              </a:ext>
+            </a:extLst>
+          </p:cNvPr>
+          <p:cNvSpPr/>
+          <p:nvPr/>
+        </p:nvSpPr>
+        <p:spPr>
+          <a:xfrm>
+            <a:off x="-125048" y="2349053"/>
+            <a:ext cx="5650416" cy="3082050"/>
+          </a:xfrm>
+          <a:prstGeom prst="ellipse">
+            <a:avLst/>
+          </a:prstGeom>
+          <a:solidFill>
+            <a:schemeClr val="bg1">
+              <a:lumMod val="95000"/>
+            </a:schemeClr>
+          </a:solidFill>
+          <a:ln>
+            <a:noFill/>
+          </a:ln>
+          <a:effectLst>
+            <a:softEdge rad="190500"/>
+          </a:effectLst>
+        </p:spPr>
+        <p:style>
+          <a:lnRef idx="2">
+            <a:schemeClr val="accent1">
+              <a:shade val="15000"/>
+            </a:schemeClr>
+          </a:lnRef>
+          <a:fillRef idx="1">
+            <a:schemeClr val="accent1"/>
+          </a:fillRef>
+          <a:effectRef idx="0">
+            <a:schemeClr val="accent1"/>
+          </a:effectRef>
+          <a:fontRef idx="minor">
+            <a:schemeClr val="lt1"/>
+          </a:fontRef>
+        </p:style>
+        <p:txBody>
+          <a:bodyPr rtlCol="0" anchor="ctr"/>
+          <a:lstStyle/>
+          <a:p>
+            <a:pPr algn="ctr">
+              <a:lnSpc>
+                <a:spcPct val="150000"/>
+              </a:lnSpc>
+            </a:pPr>
+            <a:r>
+              <a:rPr lang="en-US" sz="1800" b="1" cap="small" dirty="0">
+                <a:solidFill>
+                  <a:schemeClr val="accent1">
+                    <a:lumMod val="50000"/>
+                  </a:schemeClr>
+                </a:solidFill>
+                <a:latin typeface="Oxygen" panose="02000503000000000000" pitchFamily="2" charset="0"/>
+              </a:rPr>
+              <a:t>IX – XII CBSE, ICSE, WB</a:t>
+            </a:r>
+          </a:p>
+          <a:p>
+            <a:pPr algn="ctr">
+              <a:lnSpc>
+                <a:spcPct val="150000"/>
+              </a:lnSpc>
+            </a:pPr>
+            <a:r>
+              <a:rPr lang="en-US" sz="1800" b="1" cap="small" dirty="0">
+                <a:solidFill>
+                  <a:schemeClr val="accent1">
+                    <a:lumMod val="50000"/>
+                  </a:schemeClr>
+                </a:solidFill>
+                <a:latin typeface="Oxygen" panose="02000503000000000000" pitchFamily="2" charset="0"/>
+              </a:rPr>
+              <a:t>BCom, BBA, CA, CMA, CS, CFA</a:t>
+            </a:r>
+          </a:p>
+          <a:p>
+            <a:pPr algn="ctr">
+              <a:lnSpc>
+                <a:spcPct val="150000"/>
+              </a:lnSpc>
+            </a:pPr>
+            <a:r>
+              <a:rPr lang="en-US" sz="1800" b="1" cap="small" dirty="0">
+                <a:solidFill>
+                  <a:schemeClr val="accent1">
+                    <a:lumMod val="50000"/>
+                  </a:schemeClr>
+                </a:solidFill>
+                <a:latin typeface="Oxygen" panose="02000503000000000000" pitchFamily="2" charset="0"/>
+              </a:rPr>
+              <a:t>Interview Prep, Grooming</a:t>
+            </a:r>
+          </a:p>
+          <a:p>
+            <a:pPr algn="ctr">
+              <a:lnSpc>
+                <a:spcPct val="150000"/>
+              </a:lnSpc>
+            </a:pPr>
+            <a:r>
+              <a:rPr lang="en-US" sz="1800" b="1" cap="small" dirty="0">
+                <a:solidFill>
+                  <a:schemeClr val="accent1">
+                    <a:lumMod val="50000"/>
+                  </a:schemeClr>
+                </a:solidFill>
+                <a:latin typeface="Oxygen" panose="02000503000000000000" pitchFamily="2" charset="0"/>
+              </a:rPr>
+              <a:t>Spoken English, Ielts, Toefl</a:t>
+            </a:r>
+          </a:p>
+        </p:txBody>
+      </p:sp>
+      <p:pic>
+        <p:nvPicPr>
+          <p:cNvPr id="22" name="Picture 21">
+            <a:extLst>
+              <a:ext uri="{FF2B5EF4-FFF2-40B4-BE49-F238E27FC236}">
+                <a16:creationId xmlns:a16="http://schemas.microsoft.com/office/drawing/2014/main" id="{5968DC1F-7B51-1180-8FD1-6504F3696FC7}"/>
+              </a:ext>
+            </a:extLst>
+          </p:cNvPr>
+          <p:cNvPicPr>
+            <a:picLocks noChangeAspect="1"/>
+          </p:cNvPicPr>
+          <p:nvPr/>
+        </p:nvPicPr>
+        <p:blipFill>
+          <a:blip r:embed="rId14">
+            <a:extLst>
+              <a:ext uri="{BEBA8EAE-BF5A-486C-A8C5-ECC9F3942E4B}">
+                <a14:imgProps xmlns:a14="http://schemas.microsoft.com/office/drawing/2010/main">
+                  <a14:imgLayer r:embed="rId15">
+                    <a14:imgEffect>
+                      <a14:brightnessContrast bright="24000" contrast="23000"/>
+                    </a14:imgEffect>
+                  </a14:imgLayer>
+                </a14:imgProps>
+              </a:ext>
+              <a:ext uri="{28A0092B-C50C-407E-A947-70E740481C1C}">
+                <a14:useLocalDpi xmlns:a14="http://schemas.microsoft.com/office/drawing/2010/main" val="0"/>
+              </a:ext>
+            </a:extLst>
+          </a:blip>
+          <a:stretch>
+            <a:fillRect/>
+          </a:stretch>
+        </p:blipFill>
+        <p:spPr>
+          <a:xfrm>
+            <a:off x="3110523" y="1512316"/>
+            <a:ext cx="3341750" cy="4453094"/>
+          </a:xfrm>
+          <a:prstGeom prst="rect">
+            <a:avLst/>
+          </a:prstGeom>
+        </p:spPr>
+      </p:pic>
+      <p:pic>
+        <p:nvPicPr>
+          <p:cNvPr id="12" name="Picture 11">
+            <a:extLst>
+              <a:ext uri="{FF2B5EF4-FFF2-40B4-BE49-F238E27FC236}">
+                <a16:creationId xmlns:a16="http://schemas.microsoft.com/office/drawing/2014/main" id="{BAB17388-AD09-D7FF-AC6D-E4B12CFA7DC8}"/>
+              </a:ext>
+            </a:extLst>
+          </p:cNvPr>
+          <p:cNvPicPr>
+            <a:picLocks noChangeAspect="1"/>
+          </p:cNvPicPr>
+          <p:nvPr/>
+        </p:nvPicPr>
+        <p:blipFill>
+          <a:blip r:embed="rId16">
+            <a:extLst>
+              <a:ext uri="{BEBA8EAE-BF5A-486C-A8C5-ECC9F3942E4B}">
+                <a14:imgProps xmlns:a14="http://schemas.microsoft.com/office/drawing/2010/main">
+                  <a14:imgLayer r:embed="rId17">
+                    <a14:imgEffect>
+                      <a14:brightnessContrast bright="23000" contrast="23000"/>
+                    </a14:imgEffect>
+                  </a14:imgLayer>
+                </a14:imgProps>
+              </a:ext>
+              <a:ext uri="{28A0092B-C50C-407E-A947-70E740481C1C}">
+                <a14:useLocalDpi xmlns:a14="http://schemas.microsoft.com/office/drawing/2010/main" val="0"/>
+              </a:ext>
+            </a:extLst>
+          </a:blip>
+          <a:stretch>
+            <a:fillRect/>
+          </a:stretch>
+        </p:blipFill>
+        <p:spPr>
+          <a:xfrm>
+            <a:off x="-961569" y="1926449"/>
+            <a:ext cx="2949559" cy="3923663"/>
+          </a:xfrm>
+          <a:prstGeom prst="rect">
+            <a:avLst/>
+          </a:prstGeom>
+        </p:spPr>
+      </p:pic>
     </p:spTree>
     <p:extLst>
       <p:ext uri="{BB962C8B-B14F-4D97-AF65-F5344CB8AC3E}">
@@ -10401,10 +10693,221 @@
       </p:grpSpPr>
       <p:pic>
         <p:nvPicPr>
-          <p:cNvPr id="4" name="Picture 3">
+          <p:cNvPr id="4" name="Picture 4" descr="Успех Success Дорога - Бесплатное изображение на Pixabay - Pixabay">
             <a:extLst>
               <a:ext uri="{FF2B5EF4-FFF2-40B4-BE49-F238E27FC236}">
-                <a16:creationId xmlns:a16="http://schemas.microsoft.com/office/drawing/2014/main" id="{25BE0DBE-285A-44BC-EEB2-0A4BA6F0D6A2}"/>
+                <a16:creationId xmlns:a16="http://schemas.microsoft.com/office/drawing/2014/main" id="{18DCAC64-7802-FA49-9FA5-951612C78F2F}"/>
+              </a:ext>
+            </a:extLst>
+          </p:cNvPr>
+          <p:cNvPicPr>
+            <a:picLocks noChangeAspect="1" noChangeArrowheads="1"/>
+          </p:cNvPicPr>
+          <p:nvPr/>
+        </p:nvPicPr>
+        <p:blipFill>
+          <a:blip r:embed="rId2">
+            <a:extLst>
+              <a:ext uri="{28A0092B-C50C-407E-A947-70E740481C1C}">
+                <a14:useLocalDpi xmlns:a14="http://schemas.microsoft.com/office/drawing/2010/main" val="0"/>
+              </a:ext>
+            </a:extLst>
+          </a:blip>
+          <a:srcRect/>
+          <a:stretch>
+            <a:fillRect/>
+          </a:stretch>
+        </p:blipFill>
+        <p:spPr bwMode="auto">
+          <a:xfrm>
+            <a:off x="0" y="611505"/>
+            <a:ext cx="5353041" cy="2154362"/>
+          </a:xfrm>
+          <a:prstGeom prst="rect">
+            <a:avLst/>
+          </a:prstGeom>
+          <a:noFill/>
+          <a:extLst>
+            <a:ext uri="{909E8E84-426E-40DD-AFC4-6F175D3DCCD1}">
+              <a14:hiddenFill xmlns:a14="http://schemas.microsoft.com/office/drawing/2010/main">
+                <a:solidFill>
+                  <a:srgbClr val="FFFFFF"/>
+                </a:solidFill>
+              </a14:hiddenFill>
+            </a:ext>
+          </a:extLst>
+        </p:spPr>
+      </p:pic>
+      <p:sp>
+        <p:nvSpPr>
+          <p:cNvPr id="18" name="Rectangle 17">
+            <a:extLst>
+              <a:ext uri="{FF2B5EF4-FFF2-40B4-BE49-F238E27FC236}">
+                <a16:creationId xmlns:a16="http://schemas.microsoft.com/office/drawing/2014/main" id="{594419C4-90D9-8890-6387-89696EC7FE9E}"/>
+              </a:ext>
+            </a:extLst>
+          </p:cNvPr>
+          <p:cNvSpPr/>
+          <p:nvPr/>
+        </p:nvSpPr>
+        <p:spPr>
+          <a:xfrm rot="10800000">
+            <a:off x="-542" y="-6588"/>
+            <a:ext cx="5353583" cy="1008044"/>
+          </a:xfrm>
+          <a:prstGeom prst="rect">
+            <a:avLst/>
+          </a:prstGeom>
+          <a:gradFill>
+            <a:gsLst>
+              <a:gs pos="0">
+                <a:schemeClr val="accent1">
+                  <a:lumMod val="5000"/>
+                  <a:lumOff val="95000"/>
+                  <a:alpha val="0"/>
+                </a:schemeClr>
+              </a:gs>
+              <a:gs pos="61000">
+                <a:srgbClr val="FF8C52"/>
+              </a:gs>
+              <a:gs pos="40260">
+                <a:srgbClr val="FF8C52"/>
+              </a:gs>
+              <a:gs pos="72000">
+                <a:srgbClr val="FF8C52"/>
+              </a:gs>
+              <a:gs pos="100000">
+                <a:schemeClr val="accent1">
+                  <a:lumMod val="45000"/>
+                  <a:lumOff val="55000"/>
+                </a:schemeClr>
+              </a:gs>
+              <a:gs pos="99000">
+                <a:srgbClr val="FF8C52"/>
+              </a:gs>
+            </a:gsLst>
+            <a:lin ang="5400000" scaled="1"/>
+          </a:gradFill>
+          <a:ln>
+            <a:noFill/>
+          </a:ln>
+        </p:spPr>
+        <p:style>
+          <a:lnRef idx="2">
+            <a:schemeClr val="accent1">
+              <a:shade val="50000"/>
+            </a:schemeClr>
+          </a:lnRef>
+          <a:fillRef idx="1">
+            <a:schemeClr val="accent1"/>
+          </a:fillRef>
+          <a:effectRef idx="0">
+            <a:schemeClr val="accent1"/>
+          </a:effectRef>
+          <a:fontRef idx="minor">
+            <a:schemeClr val="lt1"/>
+          </a:fontRef>
+        </p:style>
+        <p:txBody>
+          <a:bodyPr rtlCol="0" anchor="ctr"/>
+          <a:lstStyle/>
+          <a:p>
+            <a:pPr algn="ctr"/>
+            <a:endParaRPr lang="en-AU"/>
+          </a:p>
+        </p:txBody>
+      </p:sp>
+      <p:sp>
+        <p:nvSpPr>
+          <p:cNvPr id="19" name="TextBox 18">
+            <a:extLst>
+              <a:ext uri="{FF2B5EF4-FFF2-40B4-BE49-F238E27FC236}">
+                <a16:creationId xmlns:a16="http://schemas.microsoft.com/office/drawing/2014/main" id="{E6C0FDEE-133F-3C3A-7466-0889D35F6FFC}"/>
+              </a:ext>
+            </a:extLst>
+          </p:cNvPr>
+          <p:cNvSpPr txBox="1"/>
+          <p:nvPr/>
+        </p:nvSpPr>
+        <p:spPr>
+          <a:xfrm>
+            <a:off x="11660" y="10742"/>
+            <a:ext cx="5346166" cy="600164"/>
+          </a:xfrm>
+          <a:prstGeom prst="rect">
+            <a:avLst/>
+          </a:prstGeom>
+          <a:noFill/>
+        </p:spPr>
+        <p:txBody>
+          <a:bodyPr wrap="square" rtlCol="0">
+            <a:spAutoFit/>
+          </a:bodyPr>
+          <a:lstStyle/>
+          <a:p>
+            <a:pPr algn="ctr"/>
+            <a:r>
+              <a:rPr lang="en-US" sz="3300" b="1" cap="small" dirty="0">
+                <a:ln w="6600">
+                  <a:solidFill>
+                    <a:srgbClr val="00FF00"/>
+                  </a:solidFill>
+                  <a:prstDash val="solid"/>
+                </a:ln>
+                <a:solidFill>
+                  <a:schemeClr val="bg1"/>
+                </a:solidFill>
+                <a:effectLst>
+                  <a:glow rad="139700">
+                    <a:schemeClr val="accent6">
+                      <a:satMod val="175000"/>
+                      <a:alpha val="40000"/>
+                    </a:schemeClr>
+                  </a:glow>
+                  <a:outerShdw dist="38100" dir="5400000" sy="-20000" rotWithShape="0">
+                    <a:prstClr val="black">
+                      <a:alpha val="0"/>
+                    </a:prstClr>
+                  </a:outerShdw>
+                </a:effectLst>
+                <a:latin typeface="Oxygen" panose="02000503000000000000" pitchFamily="2" charset="0"/>
+              </a:rPr>
+              <a:t>NEET, IIT-JEE, Class VIII-XII</a:t>
+            </a:r>
+            <a:endParaRPr lang="en-AU" sz="3300" b="1" cap="small" dirty="0">
+              <a:ln w="6600">
+                <a:solidFill>
+                  <a:srgbClr val="00FF00"/>
+                </a:solidFill>
+                <a:prstDash val="solid"/>
+              </a:ln>
+              <a:solidFill>
+                <a:schemeClr val="bg1"/>
+              </a:solidFill>
+              <a:effectLst>
+                <a:glow rad="139700">
+                  <a:schemeClr val="accent6">
+                    <a:satMod val="175000"/>
+                    <a:alpha val="40000"/>
+                  </a:schemeClr>
+                </a:glow>
+                <a:outerShdw dist="38100" dir="5400000" sy="-20000" rotWithShape="0">
+                  <a:prstClr val="black">
+                    <a:alpha val="0"/>
+                  </a:prstClr>
+                </a:outerShdw>
+              </a:effectLst>
+              <a:latin typeface="Oxygen" panose="02000503000000000000" pitchFamily="2" charset="0"/>
+            </a:endParaRPr>
+          </a:p>
+        </p:txBody>
+      </p:sp>
+      <p:pic>
+        <p:nvPicPr>
+          <p:cNvPr id="20" name="Picture 19">
+            <a:extLst>
+              <a:ext uri="{FF2B5EF4-FFF2-40B4-BE49-F238E27FC236}">
+                <a16:creationId xmlns:a16="http://schemas.microsoft.com/office/drawing/2014/main" id="{4CFC492A-2D71-A16A-772B-0B4373F3EB80}"/>
               </a:ext>
             </a:extLst>
           </p:cNvPr>
@@ -10414,7 +10917,7 @@
           <p:nvPr/>
         </p:nvPicPr>
         <p:blipFill>
-          <a:blip r:embed="rId2">
+          <a:blip r:embed="rId3" cstate="print">
             <a:extLst>
               <a:ext uri="{28A0092B-C50C-407E-A947-70E740481C1C}">
                 <a14:useLocalDpi xmlns:a14="http://schemas.microsoft.com/office/drawing/2010/main" val="0"/>
@@ -10427,18 +10930,1401 @@
         </p:blipFill>
         <p:spPr>
           <a:xfrm>
-            <a:off x="5337" y="0"/>
-            <a:ext cx="5339201" cy="7562850"/>
+            <a:off x="1599151" y="872368"/>
+            <a:ext cx="2139910" cy="1012273"/>
           </a:xfrm>
           <a:prstGeom prst="rect">
             <a:avLst/>
           </a:prstGeom>
         </p:spPr>
       </p:pic>
+      <p:pic>
+        <p:nvPicPr>
+          <p:cNvPr id="27" name="Picture 26">
+            <a:extLst>
+              <a:ext uri="{FF2B5EF4-FFF2-40B4-BE49-F238E27FC236}">
+                <a16:creationId xmlns:a16="http://schemas.microsoft.com/office/drawing/2014/main" id="{993EEEDB-D011-935F-074B-C32A8B3F041E}"/>
+              </a:ext>
+            </a:extLst>
+          </p:cNvPr>
+          <p:cNvPicPr>
+            <a:picLocks noChangeAspect="1"/>
+          </p:cNvPicPr>
+          <p:nvPr/>
+        </p:nvPicPr>
+        <p:blipFill>
+          <a:blip r:embed="rId4">
+            <a:extLst>
+              <a:ext uri="{BEBA8EAE-BF5A-486C-A8C5-ECC9F3942E4B}">
+                <a14:imgProps xmlns:a14="http://schemas.microsoft.com/office/drawing/2010/main">
+                  <a14:imgLayer r:embed="rId5">
+                    <a14:imgEffect>
+                      <a14:brightnessContrast bright="29000" contrast="29000"/>
+                    </a14:imgEffect>
+                  </a14:imgLayer>
+                </a14:imgProps>
+              </a:ext>
+              <a:ext uri="{28A0092B-C50C-407E-A947-70E740481C1C}">
+                <a14:useLocalDpi xmlns:a14="http://schemas.microsoft.com/office/drawing/2010/main" val="0"/>
+              </a:ext>
+            </a:extLst>
+          </a:blip>
+          <a:stretch>
+            <a:fillRect/>
+          </a:stretch>
+        </p:blipFill>
+        <p:spPr>
+          <a:xfrm rot="410618" flipH="1">
+            <a:off x="-2398238" y="47933"/>
+            <a:ext cx="5581845" cy="2981611"/>
+          </a:xfrm>
+          <a:prstGeom prst="rect">
+            <a:avLst/>
+          </a:prstGeom>
+        </p:spPr>
+      </p:pic>
+      <p:pic>
+        <p:nvPicPr>
+          <p:cNvPr id="32" name="Picture 31">
+            <a:extLst>
+              <a:ext uri="{FF2B5EF4-FFF2-40B4-BE49-F238E27FC236}">
+                <a16:creationId xmlns:a16="http://schemas.microsoft.com/office/drawing/2014/main" id="{A47AB003-0064-6C45-6353-C3C5C5C56D44}"/>
+              </a:ext>
+            </a:extLst>
+          </p:cNvPr>
+          <p:cNvPicPr>
+            <a:picLocks noChangeAspect="1"/>
+          </p:cNvPicPr>
+          <p:nvPr/>
+        </p:nvPicPr>
+        <p:blipFill>
+          <a:blip r:embed="rId6">
+            <a:extLst>
+              <a:ext uri="{BEBA8EAE-BF5A-486C-A8C5-ECC9F3942E4B}">
+                <a14:imgProps xmlns:a14="http://schemas.microsoft.com/office/drawing/2010/main">
+                  <a14:imgLayer r:embed="rId7">
+                    <a14:imgEffect>
+                      <a14:brightnessContrast bright="20000" contrast="20000"/>
+                    </a14:imgEffect>
+                  </a14:imgLayer>
+                </a14:imgProps>
+              </a:ext>
+              <a:ext uri="{28A0092B-C50C-407E-A947-70E740481C1C}">
+                <a14:useLocalDpi xmlns:a14="http://schemas.microsoft.com/office/drawing/2010/main" val="0"/>
+              </a:ext>
+            </a:extLst>
+          </a:blip>
+          <a:stretch>
+            <a:fillRect/>
+          </a:stretch>
+        </p:blipFill>
+        <p:spPr>
+          <a:xfrm>
+            <a:off x="2684724" y="-572017"/>
+            <a:ext cx="2816969" cy="3747285"/>
+          </a:xfrm>
+          <a:prstGeom prst="rect">
+            <a:avLst/>
+          </a:prstGeom>
+        </p:spPr>
+      </p:pic>
+      <p:sp>
+        <p:nvSpPr>
+          <p:cNvPr id="21" name="Rectangle 20">
+            <a:extLst>
+              <a:ext uri="{FF2B5EF4-FFF2-40B4-BE49-F238E27FC236}">
+                <a16:creationId xmlns:a16="http://schemas.microsoft.com/office/drawing/2014/main" id="{CB08D2BD-0071-1675-B429-A721792EC26A}"/>
+              </a:ext>
+            </a:extLst>
+          </p:cNvPr>
+          <p:cNvSpPr/>
+          <p:nvPr/>
+        </p:nvSpPr>
+        <p:spPr>
+          <a:xfrm>
+            <a:off x="-11661" y="2307188"/>
+            <a:ext cx="5361535" cy="967146"/>
+          </a:xfrm>
+          <a:prstGeom prst="rect">
+            <a:avLst/>
+          </a:prstGeom>
+          <a:gradFill>
+            <a:gsLst>
+              <a:gs pos="0">
+                <a:schemeClr val="accent1">
+                  <a:lumMod val="5000"/>
+                  <a:lumOff val="95000"/>
+                  <a:alpha val="0"/>
+                </a:schemeClr>
+              </a:gs>
+              <a:gs pos="61000">
+                <a:srgbClr val="FF8C52"/>
+              </a:gs>
+              <a:gs pos="40260">
+                <a:srgbClr val="FF8C52"/>
+              </a:gs>
+              <a:gs pos="72000">
+                <a:srgbClr val="FF8C52"/>
+              </a:gs>
+              <a:gs pos="100000">
+                <a:schemeClr val="accent1">
+                  <a:lumMod val="45000"/>
+                  <a:lumOff val="55000"/>
+                </a:schemeClr>
+              </a:gs>
+              <a:gs pos="99000">
+                <a:srgbClr val="FF8C52"/>
+              </a:gs>
+            </a:gsLst>
+            <a:lin ang="5400000" scaled="1"/>
+          </a:gradFill>
+          <a:ln>
+            <a:noFill/>
+          </a:ln>
+        </p:spPr>
+        <p:style>
+          <a:lnRef idx="2">
+            <a:schemeClr val="accent1">
+              <a:shade val="50000"/>
+            </a:schemeClr>
+          </a:lnRef>
+          <a:fillRef idx="1">
+            <a:schemeClr val="accent1"/>
+          </a:fillRef>
+          <a:effectRef idx="0">
+            <a:schemeClr val="accent1"/>
+          </a:effectRef>
+          <a:fontRef idx="minor">
+            <a:schemeClr val="lt1"/>
+          </a:fontRef>
+        </p:style>
+        <p:txBody>
+          <a:bodyPr rtlCol="0" anchor="ctr"/>
+          <a:lstStyle/>
+          <a:p>
+            <a:pPr algn="ctr"/>
+            <a:endParaRPr lang="en-AU" dirty="0"/>
+          </a:p>
+        </p:txBody>
+      </p:sp>
+      <p:sp>
+        <p:nvSpPr>
+          <p:cNvPr id="34" name="Rectangle 33">
+            <a:extLst>
+              <a:ext uri="{FF2B5EF4-FFF2-40B4-BE49-F238E27FC236}">
+                <a16:creationId xmlns:a16="http://schemas.microsoft.com/office/drawing/2014/main" id="{980D600D-964F-E03B-0E58-24E5445644FF}"/>
+              </a:ext>
+            </a:extLst>
+          </p:cNvPr>
+          <p:cNvSpPr/>
+          <p:nvPr/>
+        </p:nvSpPr>
+        <p:spPr>
+          <a:xfrm>
+            <a:off x="0" y="2820571"/>
+            <a:ext cx="5349875" cy="4742280"/>
+          </a:xfrm>
+          <a:prstGeom prst="rect">
+            <a:avLst/>
+          </a:prstGeom>
+          <a:solidFill>
+            <a:srgbClr val="FF8C52"/>
+          </a:solidFill>
+          <a:ln>
+            <a:noFill/>
+          </a:ln>
+        </p:spPr>
+        <p:style>
+          <a:lnRef idx="2">
+            <a:schemeClr val="accent1">
+              <a:shade val="50000"/>
+            </a:schemeClr>
+          </a:lnRef>
+          <a:fillRef idx="1">
+            <a:schemeClr val="accent1"/>
+          </a:fillRef>
+          <a:effectRef idx="0">
+            <a:schemeClr val="accent1"/>
+          </a:effectRef>
+          <a:fontRef idx="minor">
+            <a:schemeClr val="lt1"/>
+          </a:fontRef>
+        </p:style>
+        <p:txBody>
+          <a:bodyPr rtlCol="0" anchor="ctr"/>
+          <a:lstStyle/>
+          <a:p>
+            <a:pPr algn="ctr"/>
+            <a:endParaRPr lang="en-AU" dirty="0"/>
+          </a:p>
+        </p:txBody>
+      </p:sp>
+      <p:pic>
+        <p:nvPicPr>
+          <p:cNvPr id="6" name="Picture 2" descr="File:Facebook Logo (2019).png - Wikimedia Commons">
+            <a:extLst>
+              <a:ext uri="{FF2B5EF4-FFF2-40B4-BE49-F238E27FC236}">
+                <a16:creationId xmlns:a16="http://schemas.microsoft.com/office/drawing/2014/main" id="{E4F6A499-0D14-0625-E639-315C8DB92E5A}"/>
+              </a:ext>
+            </a:extLst>
+          </p:cNvPr>
+          <p:cNvPicPr>
+            <a:picLocks noChangeAspect="1" noChangeArrowheads="1"/>
+          </p:cNvPicPr>
+          <p:nvPr/>
+        </p:nvPicPr>
+        <p:blipFill>
+          <a:blip r:embed="rId8" cstate="print">
+            <a:extLst>
+              <a:ext uri="{28A0092B-C50C-407E-A947-70E740481C1C}">
+                <a14:useLocalDpi xmlns:a14="http://schemas.microsoft.com/office/drawing/2010/main" val="0"/>
+              </a:ext>
+            </a:extLst>
+          </a:blip>
+          <a:srcRect/>
+          <a:stretch>
+            <a:fillRect/>
+          </a:stretch>
+        </p:blipFill>
+        <p:spPr bwMode="auto">
+          <a:xfrm>
+            <a:off x="523871" y="6354537"/>
+            <a:ext cx="210075" cy="210075"/>
+          </a:xfrm>
+          <a:prstGeom prst="rect">
+            <a:avLst/>
+          </a:prstGeom>
+          <a:noFill/>
+          <a:extLst>
+            <a:ext uri="{909E8E84-426E-40DD-AFC4-6F175D3DCCD1}">
+              <a14:hiddenFill xmlns:a14="http://schemas.microsoft.com/office/drawing/2010/main">
+                <a:solidFill>
+                  <a:srgbClr val="FFFFFF"/>
+                </a:solidFill>
+              </a14:hiddenFill>
+            </a:ext>
+          </a:extLst>
+        </p:spPr>
+      </p:pic>
+      <p:pic>
+        <p:nvPicPr>
+          <p:cNvPr id="7" name="Picture 10" descr="New Instagram Logo PNG Images 2023">
+            <a:extLst>
+              <a:ext uri="{FF2B5EF4-FFF2-40B4-BE49-F238E27FC236}">
+                <a16:creationId xmlns:a16="http://schemas.microsoft.com/office/drawing/2014/main" id="{9CD6B81C-35E1-B833-9259-AAC640AEFB13}"/>
+              </a:ext>
+            </a:extLst>
+          </p:cNvPr>
+          <p:cNvPicPr>
+            <a:picLocks noChangeAspect="1" noChangeArrowheads="1"/>
+          </p:cNvPicPr>
+          <p:nvPr/>
+        </p:nvPicPr>
+        <p:blipFill>
+          <a:blip r:embed="rId9" cstate="print">
+            <a:extLst>
+              <a:ext uri="{28A0092B-C50C-407E-A947-70E740481C1C}">
+                <a14:useLocalDpi xmlns:a14="http://schemas.microsoft.com/office/drawing/2010/main" val="0"/>
+              </a:ext>
+            </a:extLst>
+          </a:blip>
+          <a:srcRect/>
+          <a:stretch>
+            <a:fillRect/>
+          </a:stretch>
+        </p:blipFill>
+        <p:spPr bwMode="auto">
+          <a:xfrm>
+            <a:off x="163088" y="7290815"/>
+            <a:ext cx="199951" cy="199951"/>
+          </a:xfrm>
+          <a:prstGeom prst="rect">
+            <a:avLst/>
+          </a:prstGeom>
+          <a:noFill/>
+          <a:extLst>
+            <a:ext uri="{909E8E84-426E-40DD-AFC4-6F175D3DCCD1}">
+              <a14:hiddenFill xmlns:a14="http://schemas.microsoft.com/office/drawing/2010/main">
+                <a:solidFill>
+                  <a:srgbClr val="FFFFFF"/>
+                </a:solidFill>
+              </a14:hiddenFill>
+            </a:ext>
+          </a:extLst>
+        </p:spPr>
+      </p:pic>
+      <p:pic>
+        <p:nvPicPr>
+          <p:cNvPr id="8" name="Picture 14" descr="Whatsapp Icon PNGs for Free Download">
+            <a:extLst>
+              <a:ext uri="{FF2B5EF4-FFF2-40B4-BE49-F238E27FC236}">
+                <a16:creationId xmlns:a16="http://schemas.microsoft.com/office/drawing/2014/main" id="{0F86561D-C68F-7D41-4A0D-9449DECAF5A1}"/>
+              </a:ext>
+            </a:extLst>
+          </p:cNvPr>
+          <p:cNvPicPr>
+            <a:picLocks noChangeAspect="1" noChangeArrowheads="1"/>
+          </p:cNvPicPr>
+          <p:nvPr/>
+        </p:nvPicPr>
+        <p:blipFill>
+          <a:blip r:embed="rId10" cstate="print">
+            <a:extLst>
+              <a:ext uri="{28A0092B-C50C-407E-A947-70E740481C1C}">
+                <a14:useLocalDpi xmlns:a14="http://schemas.microsoft.com/office/drawing/2010/main" val="0"/>
+              </a:ext>
+            </a:extLst>
+          </a:blip>
+          <a:srcRect/>
+          <a:stretch>
+            <a:fillRect/>
+          </a:stretch>
+        </p:blipFill>
+        <p:spPr bwMode="auto">
+          <a:xfrm>
+            <a:off x="4948368" y="7252273"/>
+            <a:ext cx="250641" cy="250641"/>
+          </a:xfrm>
+          <a:prstGeom prst="rect">
+            <a:avLst/>
+          </a:prstGeom>
+          <a:noFill/>
+          <a:extLst>
+            <a:ext uri="{909E8E84-426E-40DD-AFC4-6F175D3DCCD1}">
+              <a14:hiddenFill xmlns:a14="http://schemas.microsoft.com/office/drawing/2010/main">
+                <a:solidFill>
+                  <a:srgbClr val="FFFFFF"/>
+                </a:solidFill>
+              </a14:hiddenFill>
+            </a:ext>
+          </a:extLst>
+        </p:spPr>
+      </p:pic>
+      <p:pic>
+        <p:nvPicPr>
+          <p:cNvPr id="9" name="Picture 16" descr="Linkedin logo png, Linkedin icon transparent png 18930587 PNG">
+            <a:extLst>
+              <a:ext uri="{FF2B5EF4-FFF2-40B4-BE49-F238E27FC236}">
+                <a16:creationId xmlns:a16="http://schemas.microsoft.com/office/drawing/2014/main" id="{C5325B9E-87D1-9499-8A44-8A9CF87C6598}"/>
+              </a:ext>
+            </a:extLst>
+          </p:cNvPr>
+          <p:cNvPicPr>
+            <a:picLocks noChangeAspect="1" noChangeArrowheads="1"/>
+          </p:cNvPicPr>
+          <p:nvPr/>
+        </p:nvPicPr>
+        <p:blipFill>
+          <a:blip r:embed="rId11" cstate="print">
+            <a:extLst>
+              <a:ext uri="{28A0092B-C50C-407E-A947-70E740481C1C}">
+                <a14:useLocalDpi xmlns:a14="http://schemas.microsoft.com/office/drawing/2010/main" val="0"/>
+              </a:ext>
+            </a:extLst>
+          </a:blip>
+          <a:srcRect/>
+          <a:stretch>
+            <a:fillRect/>
+          </a:stretch>
+        </p:blipFill>
+        <p:spPr bwMode="auto">
+          <a:xfrm>
+            <a:off x="380815" y="7214422"/>
+            <a:ext cx="349406" cy="349406"/>
+          </a:xfrm>
+          <a:prstGeom prst="rect">
+            <a:avLst/>
+          </a:prstGeom>
+          <a:noFill/>
+          <a:extLst>
+            <a:ext uri="{909E8E84-426E-40DD-AFC4-6F175D3DCCD1}">
+              <a14:hiddenFill xmlns:a14="http://schemas.microsoft.com/office/drawing/2010/main">
+                <a:solidFill>
+                  <a:srgbClr val="FFFFFF"/>
+                </a:solidFill>
+              </a14:hiddenFill>
+            </a:ext>
+          </a:extLst>
+        </p:spPr>
+      </p:pic>
+      <p:sp>
+        <p:nvSpPr>
+          <p:cNvPr id="10" name="Rectangle 9">
+            <a:extLst>
+              <a:ext uri="{FF2B5EF4-FFF2-40B4-BE49-F238E27FC236}">
+                <a16:creationId xmlns:a16="http://schemas.microsoft.com/office/drawing/2014/main" id="{676F7393-631A-557D-FBA5-36A1EFDC0789}"/>
+              </a:ext>
+            </a:extLst>
+          </p:cNvPr>
+          <p:cNvSpPr/>
+          <p:nvPr/>
+        </p:nvSpPr>
+        <p:spPr>
+          <a:xfrm>
+            <a:off x="295894" y="6894086"/>
+            <a:ext cx="4988356" cy="369332"/>
+          </a:xfrm>
+          <a:prstGeom prst="rect">
+            <a:avLst/>
+          </a:prstGeom>
+        </p:spPr>
+        <p:txBody>
+          <a:bodyPr wrap="square">
+            <a:spAutoFit/>
+          </a:bodyPr>
+          <a:lstStyle/>
+          <a:p>
+            <a:pPr algn="ctr"/>
+            <a:r>
+              <a:rPr lang="en-US" sz="900" b="1" dirty="0">
+                <a:solidFill>
+                  <a:schemeClr val="bg1"/>
+                </a:solidFill>
+                <a:latin typeface="Oxygen" panose="02000503000000000000" pitchFamily="2" charset="0"/>
+              </a:rPr>
+              <a:t>N-1/25 Kunal Road, </a:t>
+            </a:r>
+            <a:r>
+              <a:rPr lang="en-US" b="1" dirty="0">
+                <a:solidFill>
+                  <a:schemeClr val="bg1"/>
+                </a:solidFill>
+                <a:latin typeface="Oxygen" panose="02000503000000000000" pitchFamily="2" charset="0"/>
+              </a:rPr>
+              <a:t>Patuli</a:t>
+            </a:r>
+            <a:r>
+              <a:rPr lang="en-US" sz="900" b="1" dirty="0">
+                <a:solidFill>
+                  <a:schemeClr val="bg1"/>
+                </a:solidFill>
+                <a:latin typeface="Oxygen" panose="02000503000000000000" pitchFamily="2" charset="0"/>
+              </a:rPr>
+              <a:t>, Kolkata 700094, Near Fire Brigade &amp; Krishi Vikas</a:t>
+            </a:r>
+            <a:r>
+              <a:rPr lang="en-US" sz="1000" b="1" dirty="0">
+                <a:solidFill>
+                  <a:schemeClr val="bg1"/>
+                </a:solidFill>
+                <a:latin typeface="Oxygen" panose="02000503000000000000" pitchFamily="2" charset="0"/>
+              </a:rPr>
+              <a:t> </a:t>
+            </a:r>
+            <a:endParaRPr lang="en-AU" sz="1000" b="1" dirty="0">
+              <a:solidFill>
+                <a:schemeClr val="bg1"/>
+              </a:solidFill>
+              <a:latin typeface="Oxygen" panose="02000503000000000000" pitchFamily="2" charset="0"/>
+            </a:endParaRPr>
+          </a:p>
+        </p:txBody>
+      </p:sp>
+      <p:sp>
+        <p:nvSpPr>
+          <p:cNvPr id="11" name="Rectangle 10">
+            <a:extLst>
+              <a:ext uri="{FF2B5EF4-FFF2-40B4-BE49-F238E27FC236}">
+                <a16:creationId xmlns:a16="http://schemas.microsoft.com/office/drawing/2014/main" id="{F36FD974-A183-6AC8-1439-16E527BDDD7F}"/>
+              </a:ext>
+            </a:extLst>
+          </p:cNvPr>
+          <p:cNvSpPr/>
+          <p:nvPr/>
+        </p:nvSpPr>
+        <p:spPr>
+          <a:xfrm>
+            <a:off x="3557327" y="7165456"/>
+            <a:ext cx="1607746" cy="374911"/>
+          </a:xfrm>
+          <a:prstGeom prst="rect">
+            <a:avLst/>
+          </a:prstGeom>
+        </p:spPr>
+        <p:txBody>
+          <a:bodyPr wrap="square">
+            <a:spAutoFit/>
+          </a:bodyPr>
+          <a:lstStyle/>
+          <a:p>
+            <a:pPr algn="ctr">
+              <a:lnSpc>
+                <a:spcPct val="150000"/>
+              </a:lnSpc>
+            </a:pPr>
+            <a:r>
+              <a:rPr lang="en-US" sz="1400" b="1" dirty="0">
+                <a:solidFill>
+                  <a:schemeClr val="bg1"/>
+                </a:solidFill>
+                <a:latin typeface="Oxygen" panose="02000503000000000000" pitchFamily="2" charset="0"/>
+              </a:rPr>
+              <a:t>9073 700094</a:t>
+            </a:r>
+            <a:endParaRPr lang="en-AU" sz="1400" b="1" dirty="0">
+              <a:solidFill>
+                <a:schemeClr val="bg1"/>
+              </a:solidFill>
+              <a:latin typeface="Oxygen" panose="02000503000000000000" pitchFamily="2" charset="0"/>
+            </a:endParaRPr>
+          </a:p>
+        </p:txBody>
+      </p:sp>
+      <p:pic>
+        <p:nvPicPr>
+          <p:cNvPr id="13" name="Picture 18" descr="Page 2 | Phone Icon Png Images - Free Download on Freepik">
+            <a:extLst>
+              <a:ext uri="{FF2B5EF4-FFF2-40B4-BE49-F238E27FC236}">
+                <a16:creationId xmlns:a16="http://schemas.microsoft.com/office/drawing/2014/main" id="{F92896B4-90E6-BD36-F25E-DE1187C81506}"/>
+              </a:ext>
+            </a:extLst>
+          </p:cNvPr>
+          <p:cNvPicPr>
+            <a:picLocks noChangeAspect="1" noChangeArrowheads="1"/>
+          </p:cNvPicPr>
+          <p:nvPr/>
+        </p:nvPicPr>
+        <p:blipFill>
+          <a:blip r:embed="rId12" cstate="print">
+            <a:extLst>
+              <a:ext uri="{28A0092B-C50C-407E-A947-70E740481C1C}">
+                <a14:useLocalDpi xmlns:a14="http://schemas.microsoft.com/office/drawing/2010/main" val="0"/>
+              </a:ext>
+            </a:extLst>
+          </a:blip>
+          <a:srcRect/>
+          <a:stretch>
+            <a:fillRect/>
+          </a:stretch>
+        </p:blipFill>
+        <p:spPr bwMode="auto">
+          <a:xfrm>
+            <a:off x="3543054" y="7258108"/>
+            <a:ext cx="230977" cy="230977"/>
+          </a:xfrm>
+          <a:prstGeom prst="rect">
+            <a:avLst/>
+          </a:prstGeom>
+          <a:noFill/>
+          <a:extLst>
+            <a:ext uri="{909E8E84-426E-40DD-AFC4-6F175D3DCCD1}">
+              <a14:hiddenFill xmlns:a14="http://schemas.microsoft.com/office/drawing/2010/main">
+                <a:solidFill>
+                  <a:srgbClr val="FFFFFF"/>
+                </a:solidFill>
+              </a14:hiddenFill>
+            </a:ext>
+          </a:extLst>
+        </p:spPr>
+      </p:pic>
+      <p:sp>
+        <p:nvSpPr>
+          <p:cNvPr id="16" name="32-Point Star 20">
+            <a:extLst>
+              <a:ext uri="{FF2B5EF4-FFF2-40B4-BE49-F238E27FC236}">
+                <a16:creationId xmlns:a16="http://schemas.microsoft.com/office/drawing/2014/main" id="{D8634965-71EA-333E-7D79-07D5D39A81DE}"/>
+              </a:ext>
+            </a:extLst>
+          </p:cNvPr>
+          <p:cNvSpPr/>
+          <p:nvPr/>
+        </p:nvSpPr>
+        <p:spPr>
+          <a:xfrm>
+            <a:off x="3392192" y="6165053"/>
+            <a:ext cx="1705534" cy="766555"/>
+          </a:xfrm>
+          <a:prstGeom prst="star32">
+            <a:avLst/>
+          </a:prstGeom>
+          <a:solidFill>
+            <a:srgbClr val="002060"/>
+          </a:solidFill>
+          <a:ln w="38100">
+            <a:solidFill>
+              <a:srgbClr val="FF0000"/>
+            </a:solidFill>
+          </a:ln>
+        </p:spPr>
+        <p:style>
+          <a:lnRef idx="2">
+            <a:schemeClr val="accent1">
+              <a:shade val="50000"/>
+            </a:schemeClr>
+          </a:lnRef>
+          <a:fillRef idx="1">
+            <a:schemeClr val="accent1"/>
+          </a:fillRef>
+          <a:effectRef idx="0">
+            <a:schemeClr val="accent1"/>
+          </a:effectRef>
+          <a:fontRef idx="minor">
+            <a:schemeClr val="lt1"/>
+          </a:fontRef>
+        </p:style>
+        <p:txBody>
+          <a:bodyPr rtlCol="0" anchor="ctr"/>
+          <a:lstStyle/>
+          <a:p>
+            <a:pPr algn="ctr"/>
+            <a:r>
+              <a:rPr lang="en-US" sz="600" b="1" cap="small" dirty="0">
+                <a:solidFill>
+                  <a:schemeClr val="bg1"/>
+                </a:solidFill>
+                <a:latin typeface="Oxygen" panose="02000503000000000000" pitchFamily="2" charset="0"/>
+              </a:rPr>
+              <a:t>Multiple Subjects</a:t>
+            </a:r>
+          </a:p>
+          <a:p>
+            <a:pPr algn="ctr"/>
+            <a:r>
+              <a:rPr lang="en-US" sz="600" b="1" cap="small" dirty="0">
+                <a:solidFill>
+                  <a:schemeClr val="bg1"/>
+                </a:solidFill>
+                <a:latin typeface="Oxygen" panose="02000503000000000000" pitchFamily="2" charset="0"/>
+              </a:rPr>
+              <a:t> </a:t>
+            </a:r>
+            <a:r>
+              <a:rPr lang="en-US" b="1" dirty="0">
+                <a:solidFill>
+                  <a:schemeClr val="bg1"/>
+                </a:solidFill>
+                <a:latin typeface="Oxygen" panose="02000503000000000000" pitchFamily="2" charset="0"/>
+              </a:rPr>
+              <a:t>50%</a:t>
+            </a:r>
+            <a:r>
+              <a:rPr lang="en-US" sz="500" b="1" dirty="0">
+                <a:solidFill>
+                  <a:schemeClr val="bg1"/>
+                </a:solidFill>
+                <a:latin typeface="Oxygen" panose="02000503000000000000" pitchFamily="2" charset="0"/>
+              </a:rPr>
+              <a:t> </a:t>
+            </a:r>
+            <a:r>
+              <a:rPr lang="en-US" sz="800" b="1" dirty="0">
+                <a:solidFill>
+                  <a:schemeClr val="bg1"/>
+                </a:solidFill>
+                <a:latin typeface="Oxygen" panose="02000503000000000000" pitchFamily="2" charset="0"/>
+              </a:rPr>
+              <a:t>OFF</a:t>
+            </a:r>
+            <a:r>
+              <a:rPr lang="en-US" sz="500" b="1" dirty="0">
+                <a:solidFill>
+                  <a:schemeClr val="bg1"/>
+                </a:solidFill>
+                <a:latin typeface="Oxygen" panose="02000503000000000000" pitchFamily="2" charset="0"/>
+              </a:rPr>
+              <a:t> </a:t>
+            </a:r>
+          </a:p>
+        </p:txBody>
+      </p:sp>
+      <p:pic>
+        <p:nvPicPr>
+          <p:cNvPr id="1028" name="Picture 4" descr="Map Icon PNGs for Free Download">
+            <a:extLst>
+              <a:ext uri="{FF2B5EF4-FFF2-40B4-BE49-F238E27FC236}">
+                <a16:creationId xmlns:a16="http://schemas.microsoft.com/office/drawing/2014/main" id="{462D385E-BF12-5E62-5EA6-9CBB8DFC46E9}"/>
+              </a:ext>
+            </a:extLst>
+          </p:cNvPr>
+          <p:cNvPicPr>
+            <a:picLocks noChangeAspect="1" noChangeArrowheads="1"/>
+          </p:cNvPicPr>
+          <p:nvPr/>
+        </p:nvPicPr>
+        <p:blipFill>
+          <a:blip r:embed="rId13">
+            <a:extLst>
+              <a:ext uri="{28A0092B-C50C-407E-A947-70E740481C1C}">
+                <a14:useLocalDpi xmlns:a14="http://schemas.microsoft.com/office/drawing/2010/main" val="0"/>
+              </a:ext>
+            </a:extLst>
+          </a:blip>
+          <a:srcRect/>
+          <a:stretch>
+            <a:fillRect/>
+          </a:stretch>
+        </p:blipFill>
+        <p:spPr bwMode="auto">
+          <a:xfrm>
+            <a:off x="298872" y="6978020"/>
+            <a:ext cx="236986" cy="231675"/>
+          </a:xfrm>
+          <a:prstGeom prst="rect">
+            <a:avLst/>
+          </a:prstGeom>
+          <a:noFill/>
+          <a:extLst>
+            <a:ext uri="{909E8E84-426E-40DD-AFC4-6F175D3DCCD1}">
+              <a14:hiddenFill xmlns:a14="http://schemas.microsoft.com/office/drawing/2010/main">
+                <a:solidFill>
+                  <a:srgbClr val="FFFFFF"/>
+                </a:solidFill>
+              </a14:hiddenFill>
+            </a:ext>
+          </a:extLst>
+        </p:spPr>
+      </p:pic>
+      <p:pic>
+        <p:nvPicPr>
+          <p:cNvPr id="24" name="Picture 23">
+            <a:extLst>
+              <a:ext uri="{FF2B5EF4-FFF2-40B4-BE49-F238E27FC236}">
+                <a16:creationId xmlns:a16="http://schemas.microsoft.com/office/drawing/2014/main" id="{A488919C-AC61-D592-AFF9-4F5FFE522D74}"/>
+              </a:ext>
+            </a:extLst>
+          </p:cNvPr>
+          <p:cNvPicPr>
+            <a:picLocks noChangeAspect="1"/>
+          </p:cNvPicPr>
+          <p:nvPr/>
+        </p:nvPicPr>
+        <p:blipFill>
+          <a:blip r:embed="rId14"/>
+          <a:stretch>
+            <a:fillRect/>
+          </a:stretch>
+        </p:blipFill>
+        <p:spPr>
+          <a:xfrm>
+            <a:off x="823549" y="6249400"/>
+            <a:ext cx="661577" cy="661577"/>
+          </a:xfrm>
+          <a:prstGeom prst="rect">
+            <a:avLst/>
+          </a:prstGeom>
+        </p:spPr>
+      </p:pic>
+      <p:sp>
+        <p:nvSpPr>
+          <p:cNvPr id="25" name="Rectangle 24">
+            <a:extLst>
+              <a:ext uri="{FF2B5EF4-FFF2-40B4-BE49-F238E27FC236}">
+                <a16:creationId xmlns:a16="http://schemas.microsoft.com/office/drawing/2014/main" id="{EF39D526-5610-CB78-2519-A7E4655A484E}"/>
+              </a:ext>
+            </a:extLst>
+          </p:cNvPr>
+          <p:cNvSpPr/>
+          <p:nvPr/>
+        </p:nvSpPr>
+        <p:spPr>
+          <a:xfrm>
+            <a:off x="7935" y="6345663"/>
+            <a:ext cx="939803" cy="584775"/>
+          </a:xfrm>
+          <a:prstGeom prst="rect">
+            <a:avLst/>
+          </a:prstGeom>
+        </p:spPr>
+        <p:txBody>
+          <a:bodyPr wrap="square">
+            <a:spAutoFit/>
+          </a:bodyPr>
+          <a:lstStyle/>
+          <a:p>
+            <a:r>
+              <a:rPr lang="en-AU" sz="1000" b="1" dirty="0">
+                <a:solidFill>
+                  <a:schemeClr val="bg1"/>
+                </a:solidFill>
+                <a:latin typeface="Oxygen" panose="02000503000000000000" pitchFamily="2" charset="0"/>
+              </a:rPr>
+              <a:t>Scan &amp;</a:t>
+            </a:r>
+          </a:p>
+          <a:p>
+            <a:r>
+              <a:rPr lang="en-AU" sz="1000" b="1" dirty="0">
+                <a:solidFill>
+                  <a:schemeClr val="bg1"/>
+                </a:solidFill>
+                <a:latin typeface="Oxygen" panose="02000503000000000000" pitchFamily="2" charset="0"/>
+              </a:rPr>
+              <a:t>Follow for</a:t>
+            </a:r>
+          </a:p>
+          <a:p>
+            <a:r>
+              <a:rPr lang="en-AU" sz="1200" b="1" dirty="0">
+                <a:solidFill>
+                  <a:schemeClr val="bg1"/>
+                </a:solidFill>
+                <a:latin typeface="Oxygen" panose="02000503000000000000" pitchFamily="2" charset="0"/>
+              </a:rPr>
+              <a:t>Discounts</a:t>
+            </a:r>
+          </a:p>
+        </p:txBody>
+      </p:sp>
+      <p:sp>
+        <p:nvSpPr>
+          <p:cNvPr id="14" name="32-Point Star 20">
+            <a:extLst>
+              <a:ext uri="{FF2B5EF4-FFF2-40B4-BE49-F238E27FC236}">
+                <a16:creationId xmlns:a16="http://schemas.microsoft.com/office/drawing/2014/main" id="{C6708AF5-BAA9-0546-7766-E1CD143048DB}"/>
+              </a:ext>
+            </a:extLst>
+          </p:cNvPr>
+          <p:cNvSpPr/>
+          <p:nvPr/>
+        </p:nvSpPr>
+        <p:spPr>
+          <a:xfrm>
+            <a:off x="1635833" y="6169441"/>
+            <a:ext cx="1705534" cy="766555"/>
+          </a:xfrm>
+          <a:prstGeom prst="star32">
+            <a:avLst/>
+          </a:prstGeom>
+          <a:solidFill>
+            <a:srgbClr val="002060"/>
+          </a:solidFill>
+          <a:ln w="38100">
+            <a:solidFill>
+              <a:srgbClr val="FF0000"/>
+            </a:solidFill>
+          </a:ln>
+        </p:spPr>
+        <p:style>
+          <a:lnRef idx="2">
+            <a:schemeClr val="accent1">
+              <a:shade val="50000"/>
+            </a:schemeClr>
+          </a:lnRef>
+          <a:fillRef idx="1">
+            <a:schemeClr val="accent1"/>
+          </a:fillRef>
+          <a:effectRef idx="0">
+            <a:schemeClr val="accent1"/>
+          </a:effectRef>
+          <a:fontRef idx="minor">
+            <a:schemeClr val="lt1"/>
+          </a:fontRef>
+        </p:style>
+        <p:txBody>
+          <a:bodyPr rtlCol="0" anchor="ctr"/>
+          <a:lstStyle/>
+          <a:p>
+            <a:pPr algn="ctr"/>
+            <a:r>
+              <a:rPr lang="en-US" sz="600" b="1" cap="small" dirty="0">
+                <a:solidFill>
+                  <a:schemeClr val="bg1"/>
+                </a:solidFill>
+                <a:latin typeface="Oxygen" panose="02000503000000000000" pitchFamily="2" charset="0"/>
+              </a:rPr>
+              <a:t>Bring a friend &amp; get</a:t>
+            </a:r>
+          </a:p>
+          <a:p>
+            <a:pPr algn="ctr"/>
+            <a:r>
+              <a:rPr lang="en-US" sz="600" b="1" cap="small" dirty="0">
+                <a:solidFill>
+                  <a:schemeClr val="bg1"/>
+                </a:solidFill>
+                <a:latin typeface="Oxygen" panose="02000503000000000000" pitchFamily="2" charset="0"/>
+              </a:rPr>
+              <a:t> </a:t>
+            </a:r>
+            <a:r>
+              <a:rPr lang="en-US" b="1" dirty="0">
+                <a:solidFill>
+                  <a:schemeClr val="bg1"/>
+                </a:solidFill>
+                <a:latin typeface="Oxygen" panose="02000503000000000000" pitchFamily="2" charset="0"/>
+              </a:rPr>
+              <a:t>50%</a:t>
+            </a:r>
+            <a:r>
+              <a:rPr lang="en-US" sz="500" b="1" dirty="0">
+                <a:solidFill>
+                  <a:schemeClr val="bg1"/>
+                </a:solidFill>
+                <a:latin typeface="Oxygen" panose="02000503000000000000" pitchFamily="2" charset="0"/>
+              </a:rPr>
+              <a:t> </a:t>
+            </a:r>
+            <a:r>
+              <a:rPr lang="en-US" sz="800" b="1" dirty="0">
+                <a:solidFill>
+                  <a:schemeClr val="bg1"/>
+                </a:solidFill>
+                <a:latin typeface="Oxygen" panose="02000503000000000000" pitchFamily="2" charset="0"/>
+              </a:rPr>
+              <a:t>OFF</a:t>
+            </a:r>
+            <a:r>
+              <a:rPr lang="en-US" sz="500" b="1" dirty="0">
+                <a:solidFill>
+                  <a:schemeClr val="bg1"/>
+                </a:solidFill>
+                <a:latin typeface="Oxygen" panose="02000503000000000000" pitchFamily="2" charset="0"/>
+              </a:rPr>
+              <a:t> </a:t>
+            </a:r>
+          </a:p>
+        </p:txBody>
+      </p:sp>
+      <p:sp>
+        <p:nvSpPr>
+          <p:cNvPr id="2" name="Rectangle 1">
+            <a:extLst>
+              <a:ext uri="{FF2B5EF4-FFF2-40B4-BE49-F238E27FC236}">
+                <a16:creationId xmlns:a16="http://schemas.microsoft.com/office/drawing/2014/main" id="{0B5065DE-C8FA-70BD-64B1-969506C63530}"/>
+              </a:ext>
+            </a:extLst>
+          </p:cNvPr>
+          <p:cNvSpPr/>
+          <p:nvPr/>
+        </p:nvSpPr>
+        <p:spPr>
+          <a:xfrm>
+            <a:off x="660326" y="7263832"/>
+            <a:ext cx="2909771" cy="246221"/>
+          </a:xfrm>
+          <a:prstGeom prst="rect">
+            <a:avLst/>
+          </a:prstGeom>
+        </p:spPr>
+        <p:txBody>
+          <a:bodyPr wrap="none">
+            <a:spAutoFit/>
+          </a:bodyPr>
+          <a:lstStyle/>
+          <a:p>
+            <a:r>
+              <a:rPr lang="en-US" sz="1000" b="1" dirty="0">
+                <a:solidFill>
+                  <a:srgbClr val="0000FF"/>
+                </a:solidFill>
+                <a:latin typeface="Oxygen" panose="02000503000000000000" pitchFamily="2" charset="0"/>
+              </a:rPr>
+              <a:t>www.anodiam.com || anirban@anodiam.com</a:t>
+            </a:r>
+            <a:endParaRPr lang="en-AU" sz="1000" dirty="0">
+              <a:solidFill>
+                <a:srgbClr val="0000FF"/>
+              </a:solidFill>
+            </a:endParaRPr>
+          </a:p>
+        </p:txBody>
+      </p:sp>
+      <p:sp>
+        <p:nvSpPr>
+          <p:cNvPr id="33" name="Flowchart: Magnetic Disk 32">
+            <a:extLst>
+              <a:ext uri="{FF2B5EF4-FFF2-40B4-BE49-F238E27FC236}">
+                <a16:creationId xmlns:a16="http://schemas.microsoft.com/office/drawing/2014/main" id="{9926485D-4EDD-DB4E-DAB5-C3A050BFB3D3}"/>
+              </a:ext>
+            </a:extLst>
+          </p:cNvPr>
+          <p:cNvSpPr/>
+          <p:nvPr/>
+        </p:nvSpPr>
+        <p:spPr>
+          <a:xfrm>
+            <a:off x="1018926" y="3274334"/>
+            <a:ext cx="3300359" cy="3048171"/>
+          </a:xfrm>
+          <a:prstGeom prst="flowChartMagneticDisk">
+            <a:avLst/>
+          </a:prstGeom>
+          <a:solidFill>
+            <a:schemeClr val="bg1">
+              <a:lumMod val="85000"/>
+            </a:schemeClr>
+          </a:solidFill>
+          <a:ln>
+            <a:noFill/>
+          </a:ln>
+          <a:effectLst>
+            <a:softEdge rad="127000"/>
+          </a:effectLst>
+        </p:spPr>
+        <p:style>
+          <a:lnRef idx="2">
+            <a:schemeClr val="accent1">
+              <a:shade val="15000"/>
+            </a:schemeClr>
+          </a:lnRef>
+          <a:fillRef idx="1">
+            <a:schemeClr val="accent1"/>
+          </a:fillRef>
+          <a:effectRef idx="0">
+            <a:schemeClr val="accent1"/>
+          </a:effectRef>
+          <a:fontRef idx="minor">
+            <a:schemeClr val="lt1"/>
+          </a:fontRef>
+        </p:style>
+        <p:txBody>
+          <a:bodyPr rtlCol="0" anchor="ctr"/>
+          <a:lstStyle/>
+          <a:p>
+            <a:pPr algn="ctr"/>
+            <a:endParaRPr lang="en-US"/>
+          </a:p>
+        </p:txBody>
+      </p:sp>
+      <p:sp>
+        <p:nvSpPr>
+          <p:cNvPr id="35" name="Diamond 34">
+            <a:extLst>
+              <a:ext uri="{FF2B5EF4-FFF2-40B4-BE49-F238E27FC236}">
+                <a16:creationId xmlns:a16="http://schemas.microsoft.com/office/drawing/2014/main" id="{748BA3BB-18A4-EEEC-68A2-15BBB596FD9B}"/>
+              </a:ext>
+            </a:extLst>
+          </p:cNvPr>
+          <p:cNvSpPr/>
+          <p:nvPr/>
+        </p:nvSpPr>
+        <p:spPr>
+          <a:xfrm>
+            <a:off x="-231730" y="2587189"/>
+            <a:ext cx="5793719" cy="2659456"/>
+          </a:xfrm>
+          <a:prstGeom prst="diamond">
+            <a:avLst/>
+          </a:prstGeom>
+          <a:solidFill>
+            <a:schemeClr val="bg1"/>
+          </a:solidFill>
+          <a:ln>
+            <a:noFill/>
+          </a:ln>
+          <a:effectLst>
+            <a:softEdge rad="127000"/>
+          </a:effectLst>
+        </p:spPr>
+        <p:style>
+          <a:lnRef idx="2">
+            <a:schemeClr val="accent1">
+              <a:shade val="15000"/>
+            </a:schemeClr>
+          </a:lnRef>
+          <a:fillRef idx="1">
+            <a:schemeClr val="accent1"/>
+          </a:fillRef>
+          <a:effectRef idx="0">
+            <a:schemeClr val="accent1"/>
+          </a:effectRef>
+          <a:fontRef idx="minor">
+            <a:schemeClr val="lt1"/>
+          </a:fontRef>
+        </p:style>
+        <p:txBody>
+          <a:bodyPr rtlCol="0" anchor="ctr"/>
+          <a:lstStyle/>
+          <a:p>
+            <a:pPr algn="ctr">
+              <a:lnSpc>
+                <a:spcPct val="150000"/>
+              </a:lnSpc>
+            </a:pPr>
+            <a:endParaRPr lang="en-US" sz="1800" b="1" cap="small" dirty="0">
+              <a:solidFill>
+                <a:schemeClr val="accent1">
+                  <a:lumMod val="50000"/>
+                </a:schemeClr>
+              </a:solidFill>
+              <a:latin typeface="Oxygen" panose="02000503000000000000" pitchFamily="2" charset="0"/>
+            </a:endParaRPr>
+          </a:p>
+        </p:txBody>
+      </p:sp>
+      <p:pic>
+        <p:nvPicPr>
+          <p:cNvPr id="39" name="Picture 38">
+            <a:extLst>
+              <a:ext uri="{FF2B5EF4-FFF2-40B4-BE49-F238E27FC236}">
+                <a16:creationId xmlns:a16="http://schemas.microsoft.com/office/drawing/2014/main" id="{A4959739-609C-6516-4C79-76553235BC0A}"/>
+              </a:ext>
+            </a:extLst>
+          </p:cNvPr>
+          <p:cNvPicPr>
+            <a:picLocks noChangeAspect="1"/>
+          </p:cNvPicPr>
+          <p:nvPr/>
+        </p:nvPicPr>
+        <p:blipFill>
+          <a:blip r:embed="rId15">
+            <a:extLst>
+              <a:ext uri="{BEBA8EAE-BF5A-486C-A8C5-ECC9F3942E4B}">
+                <a14:imgProps xmlns:a14="http://schemas.microsoft.com/office/drawing/2010/main">
+                  <a14:imgLayer r:embed="rId16">
+                    <a14:imgEffect>
+                      <a14:brightnessContrast bright="13000" contrast="13000"/>
+                    </a14:imgEffect>
+                  </a14:imgLayer>
+                </a14:imgProps>
+              </a:ext>
+              <a:ext uri="{28A0092B-C50C-407E-A947-70E740481C1C}">
+                <a14:useLocalDpi xmlns:a14="http://schemas.microsoft.com/office/drawing/2010/main" val="0"/>
+              </a:ext>
+            </a:extLst>
+          </a:blip>
+          <a:stretch>
+            <a:fillRect/>
+          </a:stretch>
+        </p:blipFill>
+        <p:spPr>
+          <a:xfrm flipH="1">
+            <a:off x="3427984" y="2620459"/>
+            <a:ext cx="2396034" cy="3462279"/>
+          </a:xfrm>
+          <a:prstGeom prst="rect">
+            <a:avLst/>
+          </a:prstGeom>
+        </p:spPr>
+      </p:pic>
+      <p:pic>
+        <p:nvPicPr>
+          <p:cNvPr id="41" name="Picture 40">
+            <a:extLst>
+              <a:ext uri="{FF2B5EF4-FFF2-40B4-BE49-F238E27FC236}">
+                <a16:creationId xmlns:a16="http://schemas.microsoft.com/office/drawing/2014/main" id="{563D73A8-895A-D81A-AB91-A8B063DA0AC6}"/>
+              </a:ext>
+            </a:extLst>
+          </p:cNvPr>
+          <p:cNvPicPr>
+            <a:picLocks noChangeAspect="1"/>
+          </p:cNvPicPr>
+          <p:nvPr/>
+        </p:nvPicPr>
+        <p:blipFill>
+          <a:blip r:embed="rId17">
+            <a:extLst>
+              <a:ext uri="{BEBA8EAE-BF5A-486C-A8C5-ECC9F3942E4B}">
+                <a14:imgProps xmlns:a14="http://schemas.microsoft.com/office/drawing/2010/main">
+                  <a14:imgLayer r:embed="rId18">
+                    <a14:imgEffect>
+                      <a14:brightnessContrast bright="25000" contrast="25000"/>
+                    </a14:imgEffect>
+                  </a14:imgLayer>
+                </a14:imgProps>
+              </a:ext>
+              <a:ext uri="{28A0092B-C50C-407E-A947-70E740481C1C}">
+                <a14:useLocalDpi xmlns:a14="http://schemas.microsoft.com/office/drawing/2010/main" val="0"/>
+              </a:ext>
+            </a:extLst>
+          </a:blip>
+          <a:stretch>
+            <a:fillRect/>
+          </a:stretch>
+        </p:blipFill>
+        <p:spPr>
+          <a:xfrm>
+            <a:off x="-972006" y="1891136"/>
+            <a:ext cx="3159382" cy="4210077"/>
+          </a:xfrm>
+          <a:prstGeom prst="rect">
+            <a:avLst/>
+          </a:prstGeom>
+        </p:spPr>
+      </p:pic>
+      <p:sp>
+        <p:nvSpPr>
+          <p:cNvPr id="3" name="TextBox 2">
+            <a:extLst>
+              <a:ext uri="{FF2B5EF4-FFF2-40B4-BE49-F238E27FC236}">
+                <a16:creationId xmlns:a16="http://schemas.microsoft.com/office/drawing/2014/main" id="{8E662FD5-5C47-CC8C-ACC5-ECB691BDEA5E}"/>
+              </a:ext>
+            </a:extLst>
+          </p:cNvPr>
+          <p:cNvSpPr txBox="1"/>
+          <p:nvPr/>
+        </p:nvSpPr>
+        <p:spPr>
+          <a:xfrm>
+            <a:off x="-11661" y="5126984"/>
+            <a:ext cx="5353583" cy="892552"/>
+          </a:xfrm>
+          <a:prstGeom prst="rect">
+            <a:avLst/>
+          </a:prstGeom>
+          <a:noFill/>
+        </p:spPr>
+        <p:txBody>
+          <a:bodyPr wrap="square">
+            <a:spAutoFit/>
+          </a:bodyPr>
+          <a:lstStyle/>
+          <a:p>
+            <a:pPr algn="ctr"/>
+            <a:r>
+              <a:rPr lang="en-US" sz="1300" b="1" cap="small" dirty="0">
+                <a:solidFill>
+                  <a:srgbClr val="880015"/>
+                </a:solidFill>
+                <a:latin typeface="Oxygen" panose="02000503000000000000" pitchFamily="2" charset="0"/>
+              </a:rPr>
+              <a:t>Finest Teachers from Best Institutes</a:t>
+            </a:r>
+          </a:p>
+          <a:p>
+            <a:pPr algn="ctr"/>
+            <a:r>
+              <a:rPr lang="en-US" sz="1300" b="1" cap="small" dirty="0">
+                <a:solidFill>
+                  <a:srgbClr val="880015"/>
+                </a:solidFill>
+                <a:latin typeface="Oxygen" panose="02000503000000000000" pitchFamily="2" charset="0"/>
+              </a:rPr>
+              <a:t>Edtech App, Career Focused</a:t>
+            </a:r>
+          </a:p>
+          <a:p>
+            <a:pPr algn="ctr"/>
+            <a:r>
+              <a:rPr lang="en-US" sz="1300" b="1" cap="small" dirty="0">
+                <a:solidFill>
+                  <a:srgbClr val="880015"/>
+                </a:solidFill>
+                <a:latin typeface="Oxygen" panose="02000503000000000000" pitchFamily="2" charset="0"/>
+              </a:rPr>
+              <a:t>Doubt Clearing, Counselling</a:t>
+            </a:r>
+          </a:p>
+          <a:p>
+            <a:pPr algn="ctr"/>
+            <a:r>
+              <a:rPr lang="en-US" sz="1300" b="1" cap="small" dirty="0">
+                <a:solidFill>
+                  <a:srgbClr val="880015"/>
+                </a:solidFill>
+                <a:latin typeface="Oxygen" panose="02000503000000000000" pitchFamily="2" charset="0"/>
+              </a:rPr>
+              <a:t>Smart Classrooms, AC, CCTV</a:t>
+            </a:r>
+          </a:p>
+        </p:txBody>
+      </p:sp>
+      <p:sp>
+        <p:nvSpPr>
+          <p:cNvPr id="42" name="TextBox 41">
+            <a:extLst>
+              <a:ext uri="{FF2B5EF4-FFF2-40B4-BE49-F238E27FC236}">
+                <a16:creationId xmlns:a16="http://schemas.microsoft.com/office/drawing/2014/main" id="{5FDAECD3-80FF-9EE3-638E-D9BC2172621F}"/>
+              </a:ext>
+            </a:extLst>
+          </p:cNvPr>
+          <p:cNvSpPr txBox="1"/>
+          <p:nvPr/>
+        </p:nvSpPr>
+        <p:spPr>
+          <a:xfrm>
+            <a:off x="1233848" y="2819711"/>
+            <a:ext cx="2871300" cy="2031325"/>
+          </a:xfrm>
+          <a:prstGeom prst="rect">
+            <a:avLst/>
+          </a:prstGeom>
+          <a:noFill/>
+        </p:spPr>
+        <p:txBody>
+          <a:bodyPr wrap="none" rtlCol="0">
+            <a:spAutoFit/>
+          </a:bodyPr>
+          <a:lstStyle/>
+          <a:p>
+            <a:pPr algn="ctr">
+              <a:lnSpc>
+                <a:spcPct val="150000"/>
+              </a:lnSpc>
+            </a:pPr>
+            <a:r>
+              <a:rPr lang="en-US" sz="1800" b="1" cap="small" dirty="0">
+                <a:solidFill>
+                  <a:schemeClr val="accent1">
+                    <a:lumMod val="50000"/>
+                  </a:schemeClr>
+                </a:solidFill>
+                <a:latin typeface="Oxygen" panose="02000503000000000000" pitchFamily="2" charset="0"/>
+              </a:rPr>
+              <a:t>NEET</a:t>
+            </a:r>
+          </a:p>
+          <a:p>
+            <a:pPr algn="ctr">
+              <a:lnSpc>
+                <a:spcPct val="150000"/>
+              </a:lnSpc>
+            </a:pPr>
+            <a:r>
+              <a:rPr lang="en-US" b="1" cap="small" dirty="0">
+                <a:solidFill>
+                  <a:schemeClr val="accent1">
+                    <a:lumMod val="50000"/>
+                  </a:schemeClr>
+                </a:solidFill>
+                <a:latin typeface="Oxygen" panose="02000503000000000000" pitchFamily="2" charset="0"/>
+              </a:rPr>
+              <a:t>IIT-JEE (Mains &amp; Advance)</a:t>
+            </a:r>
+          </a:p>
+          <a:p>
+            <a:pPr algn="ctr">
+              <a:lnSpc>
+                <a:spcPct val="150000"/>
+              </a:lnSpc>
+            </a:pPr>
+            <a:r>
+              <a:rPr lang="en-US" sz="1800" b="1" cap="small" dirty="0">
+                <a:solidFill>
+                  <a:schemeClr val="accent1">
+                    <a:lumMod val="50000"/>
+                  </a:schemeClr>
+                </a:solidFill>
+                <a:latin typeface="Oxygen" panose="02000503000000000000" pitchFamily="2" charset="0"/>
+              </a:rPr>
+              <a:t>VIII-XII – ICSE, CBSE, WB</a:t>
+            </a:r>
+          </a:p>
+          <a:p>
+            <a:pPr algn="ctr">
+              <a:lnSpc>
+                <a:spcPct val="150000"/>
+              </a:lnSpc>
+            </a:pPr>
+            <a:r>
+              <a:rPr lang="en-US" b="1" cap="small" dirty="0">
+                <a:solidFill>
+                  <a:schemeClr val="accent1">
+                    <a:lumMod val="50000"/>
+                  </a:schemeClr>
+                </a:solidFill>
+                <a:latin typeface="Oxygen" panose="02000503000000000000" pitchFamily="2" charset="0"/>
+              </a:rPr>
+              <a:t>Science, Arts, Commerce</a:t>
+            </a:r>
+            <a:endParaRPr lang="en-US" sz="1800" b="1" cap="small" dirty="0">
+              <a:solidFill>
+                <a:schemeClr val="accent1">
+                  <a:lumMod val="50000"/>
+                </a:schemeClr>
+              </a:solidFill>
+              <a:latin typeface="Oxygen" panose="02000503000000000000" pitchFamily="2" charset="0"/>
+            </a:endParaRPr>
+          </a:p>
+          <a:p>
+            <a:endParaRPr lang="en-US" dirty="0"/>
+          </a:p>
+        </p:txBody>
+      </p:sp>
     </p:spTree>
     <p:extLst>
       <p:ext uri="{BB962C8B-B14F-4D97-AF65-F5344CB8AC3E}">
-        <p14:creationId xmlns:p14="http://schemas.microsoft.com/office/powerpoint/2010/main" val="1547397529"/>
+        <p14:creationId xmlns:p14="http://schemas.microsoft.com/office/powerpoint/2010/main" val="624218134"/>
       </p:ext>
     </p:extLst>
   </p:cSld>
@@ -10449,72 +12335,6 @@
 </file>
 
 <file path=ppt/slides/slide6.xml><?xml version="1.0" encoding="utf-8"?>
-<p:sld xmlns:a="http://schemas.openxmlformats.org/drawingml/2006/main" xmlns:r="http://schemas.openxmlformats.org/officeDocument/2006/relationships" xmlns:p="http://schemas.openxmlformats.org/presentationml/2006/main">
-  <p:cSld>
-    <p:spTree>
-      <p:nvGrpSpPr>
-        <p:cNvPr id="1" name=""/>
-        <p:cNvGrpSpPr/>
-        <p:nvPr/>
-      </p:nvGrpSpPr>
-      <p:grpSpPr>
-        <a:xfrm>
-          <a:off x="0" y="0"/>
-          <a:ext cx="0" cy="0"/>
-          <a:chOff x="0" y="0"/>
-          <a:chExt cx="0" cy="0"/>
-        </a:xfrm>
-      </p:grpSpPr>
-      <p:pic>
-        <p:nvPicPr>
-          <p:cNvPr id="4" name="Picture 3">
-            <a:extLst>
-              <a:ext uri="{FF2B5EF4-FFF2-40B4-BE49-F238E27FC236}">
-                <a16:creationId xmlns:a16="http://schemas.microsoft.com/office/drawing/2014/main" id="{156F3578-5CB5-A901-9A05-DAF7003FAF2E}"/>
-              </a:ext>
-            </a:extLst>
-          </p:cNvPr>
-          <p:cNvPicPr>
-            <a:picLocks noChangeAspect="1"/>
-          </p:cNvPicPr>
-          <p:nvPr/>
-        </p:nvPicPr>
-        <p:blipFill>
-          <a:blip r:embed="rId2">
-            <a:extLst>
-              <a:ext uri="{28A0092B-C50C-407E-A947-70E740481C1C}">
-                <a14:useLocalDpi xmlns:a14="http://schemas.microsoft.com/office/drawing/2010/main" val="0"/>
-              </a:ext>
-            </a:extLst>
-          </a:blip>
-          <a:stretch>
-            <a:fillRect/>
-          </a:stretch>
-        </p:blipFill>
-        <p:spPr>
-          <a:xfrm>
-            <a:off x="1387" y="0"/>
-            <a:ext cx="5347100" cy="7562850"/>
-          </a:xfrm>
-          <a:prstGeom prst="rect">
-            <a:avLst/>
-          </a:prstGeom>
-        </p:spPr>
-      </p:pic>
-    </p:spTree>
-    <p:extLst>
-      <p:ext uri="{BB962C8B-B14F-4D97-AF65-F5344CB8AC3E}">
-        <p14:creationId xmlns:p14="http://schemas.microsoft.com/office/powerpoint/2010/main" val="1824420503"/>
-      </p:ext>
-    </p:extLst>
-  </p:cSld>
-  <p:clrMapOvr>
-    <a:masterClrMapping/>
-  </p:clrMapOvr>
-</p:sld>
-</file>
-
-<file path=ppt/slides/slide7.xml><?xml version="1.0" encoding="utf-8"?>
 <p:sld xmlns:a="http://schemas.openxmlformats.org/drawingml/2006/main" xmlns:r="http://schemas.openxmlformats.org/officeDocument/2006/relationships" xmlns:p="http://schemas.openxmlformats.org/presentationml/2006/main">
   <p:cSld>
     <p:spTree>
@@ -13568,53 +15388,6 @@
           </a:p>
         </p:txBody>
       </p:sp>
-      <p:pic>
-        <p:nvPicPr>
-          <p:cNvPr id="13" name="Picture 2" descr="File:Facebook Logo (2019).png - Wikimedia Commons">
-            <a:extLst>
-              <a:ext uri="{FF2B5EF4-FFF2-40B4-BE49-F238E27FC236}">
-                <a16:creationId xmlns:a16="http://schemas.microsoft.com/office/drawing/2014/main" id="{D59FB3D0-BA8B-505F-94F7-DC346983A9B5}"/>
-              </a:ext>
-            </a:extLst>
-          </p:cNvPr>
-          <p:cNvPicPr>
-            <a:picLocks noChangeAspect="1" noChangeArrowheads="1"/>
-          </p:cNvPicPr>
-          <p:nvPr/>
-        </p:nvPicPr>
-        <p:blipFill>
-          <a:blip r:embed="rId2" cstate="print">
-            <a:extLst>
-              <a:ext uri="{28A0092B-C50C-407E-A947-70E740481C1C}">
-                <a14:useLocalDpi xmlns:a14="http://schemas.microsoft.com/office/drawing/2010/main" val="0"/>
-              </a:ext>
-            </a:extLst>
-          </a:blip>
-          <a:srcRect/>
-          <a:stretch>
-            <a:fillRect/>
-          </a:stretch>
-        </p:blipFill>
-        <p:spPr bwMode="auto">
-          <a:xfrm>
-            <a:off x="633281" y="6604629"/>
-            <a:ext cx="210075" cy="210075"/>
-          </a:xfrm>
-          <a:prstGeom prst="rect">
-            <a:avLst/>
-          </a:prstGeom>
-          <a:noFill/>
-          <a:extLst>
-            <a:ext uri="{909E8E84-426E-40DD-AFC4-6F175D3DCCD1}">
-              <a14:hiddenFill xmlns:a14="http://schemas.microsoft.com/office/drawing/2010/main">
-                <a:solidFill>
-                  <a:srgbClr val="FFFFFF"/>
-                </a:solidFill>
-              </a14:hiddenFill>
-            </a:ext>
-          </a:extLst>
-        </p:spPr>
-      </p:pic>
       <p:sp>
         <p:nvSpPr>
           <p:cNvPr id="14" name="Rectangle 13">
@@ -13629,7 +15402,7 @@
         </p:nvSpPr>
         <p:spPr>
           <a:xfrm>
-            <a:off x="117345" y="6595755"/>
+            <a:off x="11335" y="6623174"/>
             <a:ext cx="939803" cy="584775"/>
           </a:xfrm>
           <a:prstGeom prst="rect">
@@ -13682,7 +15455,7 @@
           <p:nvPr/>
         </p:nvPicPr>
         <p:blipFill>
-          <a:blip r:embed="rId3">
+          <a:blip r:embed="rId2">
             <a:extLst>
               <a:ext uri="{28A0092B-C50C-407E-A947-70E740481C1C}">
                 <a14:useLocalDpi xmlns:a14="http://schemas.microsoft.com/office/drawing/2010/main" val="0"/>
@@ -13793,6 +15566,363 @@
             <a:endParaRPr lang="en-AU" sz="1200" b="1" dirty="0">
               <a:latin typeface="Oxygen" panose="02000503000000000000" pitchFamily="2" charset="0"/>
             </a:endParaRPr>
+          </a:p>
+        </p:txBody>
+      </p:sp>
+      <p:sp>
+        <p:nvSpPr>
+          <p:cNvPr id="3" name="Freeform: Shape 2">
+            <a:extLst>
+              <a:ext uri="{FF2B5EF4-FFF2-40B4-BE49-F238E27FC236}">
+                <a16:creationId xmlns:a16="http://schemas.microsoft.com/office/drawing/2014/main" id="{F5EE3F8B-AF81-47B4-FE54-65C68E95415D}"/>
+              </a:ext>
+            </a:extLst>
+          </p:cNvPr>
+          <p:cNvSpPr/>
+          <p:nvPr/>
+        </p:nvSpPr>
+        <p:spPr>
+          <a:xfrm>
+            <a:off x="601941" y="6515238"/>
+            <a:ext cx="328351" cy="305167"/>
+          </a:xfrm>
+          <a:custGeom>
+            <a:avLst/>
+            <a:gdLst>
+              <a:gd name="connsiteX0" fmla="*/ 685800 w 1371600"/>
+              <a:gd name="connsiteY0" fmla="*/ 0 h 1371600"/>
+              <a:gd name="connsiteX1" fmla="*/ 1371600 w 1371600"/>
+              <a:gd name="connsiteY1" fmla="*/ 685800 h 1371600"/>
+              <a:gd name="connsiteX2" fmla="*/ 685800 w 1371600"/>
+              <a:gd name="connsiteY2" fmla="*/ 1371600 h 1371600"/>
+              <a:gd name="connsiteX3" fmla="*/ 679237 w 1371600"/>
+              <a:gd name="connsiteY3" fmla="*/ 1370939 h 1371600"/>
+              <a:gd name="connsiteX4" fmla="*/ 679237 w 1371600"/>
+              <a:gd name="connsiteY4" fmla="*/ 1128292 h 1371600"/>
+              <a:gd name="connsiteX5" fmla="*/ 677557 w 1371600"/>
+              <a:gd name="connsiteY5" fmla="*/ 1128292 h 1371600"/>
+              <a:gd name="connsiteX6" fmla="*/ 677557 w 1371600"/>
+              <a:gd name="connsiteY6" fmla="*/ 813932 h 1371600"/>
+              <a:gd name="connsiteX7" fmla="*/ 809197 w 1371600"/>
+              <a:gd name="connsiteY7" fmla="*/ 813932 h 1371600"/>
+              <a:gd name="connsiteX8" fmla="*/ 877992 w 1371600"/>
+              <a:gd name="connsiteY8" fmla="*/ 663962 h 1371600"/>
+              <a:gd name="connsiteX9" fmla="*/ 677557 w 1371600"/>
+              <a:gd name="connsiteY9" fmla="*/ 663962 h 1371600"/>
+              <a:gd name="connsiteX10" fmla="*/ 677557 w 1371600"/>
+              <a:gd name="connsiteY10" fmla="*/ 438024 h 1371600"/>
+              <a:gd name="connsiteX11" fmla="*/ 677060 w 1371600"/>
+              <a:gd name="connsiteY11" fmla="*/ 438024 h 1371600"/>
+              <a:gd name="connsiteX12" fmla="*/ 680069 w 1371600"/>
+              <a:gd name="connsiteY12" fmla="*/ 424477 h 1371600"/>
+              <a:gd name="connsiteX13" fmla="*/ 803425 w 1371600"/>
+              <a:gd name="connsiteY13" fmla="*/ 350145 h 1371600"/>
+              <a:gd name="connsiteX14" fmla="*/ 803425 w 1371600"/>
+              <a:gd name="connsiteY14" fmla="*/ 349601 h 1371600"/>
+              <a:gd name="connsiteX15" fmla="*/ 958412 w 1371600"/>
+              <a:gd name="connsiteY15" fmla="*/ 349601 h 1371600"/>
+              <a:gd name="connsiteX16" fmla="*/ 958412 w 1371600"/>
+              <a:gd name="connsiteY16" fmla="*/ 167585 h 1371600"/>
+              <a:gd name="connsiteX17" fmla="*/ 803425 w 1371600"/>
+              <a:gd name="connsiteY17" fmla="*/ 167585 h 1371600"/>
+              <a:gd name="connsiteX18" fmla="*/ 768066 w 1371600"/>
+              <a:gd name="connsiteY18" fmla="*/ 167585 h 1371600"/>
+              <a:gd name="connsiteX19" fmla="*/ 768066 w 1371600"/>
+              <a:gd name="connsiteY19" fmla="*/ 173210 h 1371600"/>
+              <a:gd name="connsiteX20" fmla="*/ 687363 w 1371600"/>
+              <a:gd name="connsiteY20" fmla="*/ 186047 h 1371600"/>
+              <a:gd name="connsiteX21" fmla="*/ 472729 w 1371600"/>
+              <a:gd name="connsiteY21" fmla="*/ 410531 h 1371600"/>
+              <a:gd name="connsiteX22" fmla="*/ 469654 w 1371600"/>
+              <a:gd name="connsiteY22" fmla="*/ 438024 h 1371600"/>
+              <a:gd name="connsiteX23" fmla="*/ 465871 w 1371600"/>
+              <a:gd name="connsiteY23" fmla="*/ 438024 h 1371600"/>
+              <a:gd name="connsiteX24" fmla="*/ 465871 w 1371600"/>
+              <a:gd name="connsiteY24" fmla="*/ 471852 h 1371600"/>
+              <a:gd name="connsiteX25" fmla="*/ 465871 w 1371600"/>
+              <a:gd name="connsiteY25" fmla="*/ 663962 h 1371600"/>
+              <a:gd name="connsiteX26" fmla="*/ 333440 w 1371600"/>
+              <a:gd name="connsiteY26" fmla="*/ 663962 h 1371600"/>
+              <a:gd name="connsiteX27" fmla="*/ 333440 w 1371600"/>
+              <a:gd name="connsiteY27" fmla="*/ 813932 h 1371600"/>
+              <a:gd name="connsiteX28" fmla="*/ 465871 w 1371600"/>
+              <a:gd name="connsiteY28" fmla="*/ 813932 h 1371600"/>
+              <a:gd name="connsiteX29" fmla="*/ 465871 w 1371600"/>
+              <a:gd name="connsiteY29" fmla="*/ 1128292 h 1371600"/>
+              <a:gd name="connsiteX30" fmla="*/ 465871 w 1371600"/>
+              <a:gd name="connsiteY30" fmla="*/ 1223747 h 1371600"/>
+              <a:gd name="connsiteX31" fmla="*/ 465871 w 1371600"/>
+              <a:gd name="connsiteY31" fmla="*/ 1332301 h 1371600"/>
+              <a:gd name="connsiteX32" fmla="*/ 418856 w 1371600"/>
+              <a:gd name="connsiteY32" fmla="*/ 1317707 h 1371600"/>
+              <a:gd name="connsiteX33" fmla="*/ 0 w 1371600"/>
+              <a:gd name="connsiteY33" fmla="*/ 685800 h 1371600"/>
+              <a:gd name="connsiteX34" fmla="*/ 685800 w 1371600"/>
+              <a:gd name="connsiteY34" fmla="*/ 0 h 1371600"/>
+            </a:gdLst>
+            <a:ahLst/>
+            <a:cxnLst>
+              <a:cxn ang="0">
+                <a:pos x="connsiteX0" y="connsiteY0"/>
+              </a:cxn>
+              <a:cxn ang="0">
+                <a:pos x="connsiteX1" y="connsiteY1"/>
+              </a:cxn>
+              <a:cxn ang="0">
+                <a:pos x="connsiteX2" y="connsiteY2"/>
+              </a:cxn>
+              <a:cxn ang="0">
+                <a:pos x="connsiteX3" y="connsiteY3"/>
+              </a:cxn>
+              <a:cxn ang="0">
+                <a:pos x="connsiteX4" y="connsiteY4"/>
+              </a:cxn>
+              <a:cxn ang="0">
+                <a:pos x="connsiteX5" y="connsiteY5"/>
+              </a:cxn>
+              <a:cxn ang="0">
+                <a:pos x="connsiteX6" y="connsiteY6"/>
+              </a:cxn>
+              <a:cxn ang="0">
+                <a:pos x="connsiteX7" y="connsiteY7"/>
+              </a:cxn>
+              <a:cxn ang="0">
+                <a:pos x="connsiteX8" y="connsiteY8"/>
+              </a:cxn>
+              <a:cxn ang="0">
+                <a:pos x="connsiteX9" y="connsiteY9"/>
+              </a:cxn>
+              <a:cxn ang="0">
+                <a:pos x="connsiteX10" y="connsiteY10"/>
+              </a:cxn>
+              <a:cxn ang="0">
+                <a:pos x="connsiteX11" y="connsiteY11"/>
+              </a:cxn>
+              <a:cxn ang="0">
+                <a:pos x="connsiteX12" y="connsiteY12"/>
+              </a:cxn>
+              <a:cxn ang="0">
+                <a:pos x="connsiteX13" y="connsiteY13"/>
+              </a:cxn>
+              <a:cxn ang="0">
+                <a:pos x="connsiteX14" y="connsiteY14"/>
+              </a:cxn>
+              <a:cxn ang="0">
+                <a:pos x="connsiteX15" y="connsiteY15"/>
+              </a:cxn>
+              <a:cxn ang="0">
+                <a:pos x="connsiteX16" y="connsiteY16"/>
+              </a:cxn>
+              <a:cxn ang="0">
+                <a:pos x="connsiteX17" y="connsiteY17"/>
+              </a:cxn>
+              <a:cxn ang="0">
+                <a:pos x="connsiteX18" y="connsiteY18"/>
+              </a:cxn>
+              <a:cxn ang="0">
+                <a:pos x="connsiteX19" y="connsiteY19"/>
+              </a:cxn>
+              <a:cxn ang="0">
+                <a:pos x="connsiteX20" y="connsiteY20"/>
+              </a:cxn>
+              <a:cxn ang="0">
+                <a:pos x="connsiteX21" y="connsiteY21"/>
+              </a:cxn>
+              <a:cxn ang="0">
+                <a:pos x="connsiteX22" y="connsiteY22"/>
+              </a:cxn>
+              <a:cxn ang="0">
+                <a:pos x="connsiteX23" y="connsiteY23"/>
+              </a:cxn>
+              <a:cxn ang="0">
+                <a:pos x="connsiteX24" y="connsiteY24"/>
+              </a:cxn>
+              <a:cxn ang="0">
+                <a:pos x="connsiteX25" y="connsiteY25"/>
+              </a:cxn>
+              <a:cxn ang="0">
+                <a:pos x="connsiteX26" y="connsiteY26"/>
+              </a:cxn>
+              <a:cxn ang="0">
+                <a:pos x="connsiteX27" y="connsiteY27"/>
+              </a:cxn>
+              <a:cxn ang="0">
+                <a:pos x="connsiteX28" y="connsiteY28"/>
+              </a:cxn>
+              <a:cxn ang="0">
+                <a:pos x="connsiteX29" y="connsiteY29"/>
+              </a:cxn>
+              <a:cxn ang="0">
+                <a:pos x="connsiteX30" y="connsiteY30"/>
+              </a:cxn>
+              <a:cxn ang="0">
+                <a:pos x="connsiteX31" y="connsiteY31"/>
+              </a:cxn>
+              <a:cxn ang="0">
+                <a:pos x="connsiteX32" y="connsiteY32"/>
+              </a:cxn>
+              <a:cxn ang="0">
+                <a:pos x="connsiteX33" y="connsiteY33"/>
+              </a:cxn>
+              <a:cxn ang="0">
+                <a:pos x="connsiteX34" y="connsiteY34"/>
+              </a:cxn>
+            </a:cxnLst>
+            <a:rect l="l" t="t" r="r" b="b"/>
+            <a:pathLst>
+              <a:path w="1371600" h="1371600">
+                <a:moveTo>
+                  <a:pt x="685800" y="0"/>
+                </a:moveTo>
+                <a:cubicBezTo>
+                  <a:pt x="1064557" y="0"/>
+                  <a:pt x="1371600" y="307043"/>
+                  <a:pt x="1371600" y="685800"/>
+                </a:cubicBezTo>
+                <a:cubicBezTo>
+                  <a:pt x="1371600" y="1064557"/>
+                  <a:pt x="1064557" y="1371600"/>
+                  <a:pt x="685800" y="1371600"/>
+                </a:cubicBezTo>
+                <a:lnTo>
+                  <a:pt x="679237" y="1370939"/>
+                </a:lnTo>
+                <a:lnTo>
+                  <a:pt x="679237" y="1128292"/>
+                </a:lnTo>
+                <a:lnTo>
+                  <a:pt x="677557" y="1128292"/>
+                </a:lnTo>
+                <a:lnTo>
+                  <a:pt x="677557" y="813932"/>
+                </a:lnTo>
+                <a:lnTo>
+                  <a:pt x="809197" y="813932"/>
+                </a:lnTo>
+                <a:lnTo>
+                  <a:pt x="877992" y="663962"/>
+                </a:lnTo>
+                <a:lnTo>
+                  <a:pt x="677557" y="663962"/>
+                </a:lnTo>
+                <a:lnTo>
+                  <a:pt x="677557" y="438024"/>
+                </a:lnTo>
+                <a:lnTo>
+                  <a:pt x="677060" y="438024"/>
+                </a:lnTo>
+                <a:lnTo>
+                  <a:pt x="680069" y="424477"/>
+                </a:lnTo>
+                <a:cubicBezTo>
+                  <a:pt x="700392" y="380795"/>
+                  <a:pt x="747971" y="350145"/>
+                  <a:pt x="803425" y="350145"/>
+                </a:cubicBezTo>
+                <a:lnTo>
+                  <a:pt x="803425" y="349601"/>
+                </a:lnTo>
+                <a:lnTo>
+                  <a:pt x="958412" y="349601"/>
+                </a:lnTo>
+                <a:lnTo>
+                  <a:pt x="958412" y="167585"/>
+                </a:lnTo>
+                <a:lnTo>
+                  <a:pt x="803425" y="167585"/>
+                </a:lnTo>
+                <a:lnTo>
+                  <a:pt x="768066" y="167585"/>
+                </a:lnTo>
+                <a:lnTo>
+                  <a:pt x="768066" y="173210"/>
+                </a:lnTo>
+                <a:lnTo>
+                  <a:pt x="687363" y="186047"/>
+                </a:lnTo>
+                <a:cubicBezTo>
+                  <a:pt x="578794" y="221881"/>
+                  <a:pt x="496336" y="306544"/>
+                  <a:pt x="472729" y="410531"/>
+                </a:cubicBezTo>
+                <a:lnTo>
+                  <a:pt x="469654" y="438024"/>
+                </a:lnTo>
+                <a:lnTo>
+                  <a:pt x="465871" y="438024"/>
+                </a:lnTo>
+                <a:lnTo>
+                  <a:pt x="465871" y="471852"/>
+                </a:lnTo>
+                <a:lnTo>
+                  <a:pt x="465871" y="663962"/>
+                </a:lnTo>
+                <a:lnTo>
+                  <a:pt x="333440" y="663962"/>
+                </a:lnTo>
+                <a:lnTo>
+                  <a:pt x="333440" y="813932"/>
+                </a:lnTo>
+                <a:lnTo>
+                  <a:pt x="465871" y="813932"/>
+                </a:lnTo>
+                <a:lnTo>
+                  <a:pt x="465871" y="1128292"/>
+                </a:lnTo>
+                <a:lnTo>
+                  <a:pt x="465871" y="1223747"/>
+                </a:lnTo>
+                <a:lnTo>
+                  <a:pt x="465871" y="1332301"/>
+                </a:lnTo>
+                <a:lnTo>
+                  <a:pt x="418856" y="1317707"/>
+                </a:lnTo>
+                <a:cubicBezTo>
+                  <a:pt x="172712" y="1213597"/>
+                  <a:pt x="0" y="969868"/>
+                  <a:pt x="0" y="685800"/>
+                </a:cubicBezTo>
+                <a:cubicBezTo>
+                  <a:pt x="0" y="307043"/>
+                  <a:pt x="307043" y="0"/>
+                  <a:pt x="685800" y="0"/>
+                </a:cubicBezTo>
+                <a:close/>
+              </a:path>
+            </a:pathLst>
+          </a:custGeom>
+          <a:solidFill>
+            <a:schemeClr val="tx1"/>
+          </a:solidFill>
+          <a:ln>
+            <a:noFill/>
+          </a:ln>
+        </p:spPr>
+        <p:style>
+          <a:lnRef idx="2">
+            <a:schemeClr val="accent1">
+              <a:shade val="15000"/>
+            </a:schemeClr>
+          </a:lnRef>
+          <a:fillRef idx="1">
+            <a:schemeClr val="accent1"/>
+          </a:fillRef>
+          <a:effectRef idx="0">
+            <a:schemeClr val="accent1"/>
+          </a:effectRef>
+          <a:fontRef idx="minor">
+            <a:schemeClr val="lt1"/>
+          </a:fontRef>
+        </p:style>
+        <p:txBody>
+          <a:bodyPr wrap="square" rtlCol="0" anchor="ctr">
+            <a:noAutofit/>
+          </a:bodyPr>
+          <a:lstStyle/>
+          <a:p>
+            <a:pPr algn="ctr"/>
+            <a:endParaRPr lang="en-US"/>
           </a:p>
         </p:txBody>
       </p:sp>
